--- a/basic2/서브웨이/기획/ncs포폴평가-01-전혜빈.pptx
+++ b/basic2/서브웨이/기획/ncs포폴평가-01-전혜빈.pptx
@@ -5,7 +5,7 @@
     <p:sldMasterId id="2147483648" r:id="rId1"/>
   </p:sldMasterIdLst>
   <p:notesMasterIdLst>
-    <p:notesMasterId r:id="rId8"/>
+    <p:notesMasterId r:id="rId14"/>
   </p:notesMasterIdLst>
   <p:sldIdLst>
     <p:sldId id="256" r:id="rId2"/>
@@ -14,6 +14,12 @@
     <p:sldId id="259" r:id="rId5"/>
     <p:sldId id="260" r:id="rId6"/>
     <p:sldId id="261" r:id="rId7"/>
+    <p:sldId id="262" r:id="rId8"/>
+    <p:sldId id="263" r:id="rId9"/>
+    <p:sldId id="264" r:id="rId10"/>
+    <p:sldId id="267" r:id="rId11"/>
+    <p:sldId id="265" r:id="rId12"/>
+    <p:sldId id="266" r:id="rId13"/>
   </p:sldIdLst>
   <p:sldSz cx="9144000" cy="6858000" type="screen4x3"/>
   <p:notesSz cx="6858000" cy="9144000"/>
@@ -197,6 +203,7 @@
           <a:p>
             <a:fld id="{978449E2-E04D-40E1-A5E4-1D88D0584EF0}" type="datetimeFigureOut">
               <a:rPr lang="ko-KR" altLang="en-US" smtClean="0"/>
+              <a:pPr/>
               <a:t>2017-07-03</a:t>
             </a:fld>
             <a:endParaRPr lang="ko-KR" altLang="en-US"/>
@@ -356,6 +363,7 @@
           <a:p>
             <a:fld id="{9A7201C5-704D-455C-A585-497E7A27AE2B}" type="slidenum">
               <a:rPr lang="ko-KR" altLang="en-US" smtClean="0"/>
+              <a:pPr/>
               <a:t>‹#›</a:t>
             </a:fld>
             <a:endParaRPr lang="ko-KR" altLang="en-US"/>
@@ -365,7 +373,7 @@
     </p:spTree>
     <p:extLst>
       <p:ext uri="{BB962C8B-B14F-4D97-AF65-F5344CB8AC3E}">
-        <p14:creationId xmlns:p14="http://schemas.microsoft.com/office/powerpoint/2010/main" val="633366700"/>
+        <p14:creationId xmlns:p14="http://schemas.microsoft.com/office/powerpoint/2010/main" xmlns="" val="633366700"/>
       </p:ext>
     </p:extLst>
   </p:cSld>
@@ -530,6 +538,7 @@
           <a:p>
             <a:fld id="{9A7201C5-704D-455C-A585-497E7A27AE2B}" type="slidenum">
               <a:rPr lang="ko-KR" altLang="en-US" smtClean="0"/>
+              <a:pPr/>
               <a:t>4</a:t>
             </a:fld>
             <a:endParaRPr lang="ko-KR" altLang="en-US"/>
@@ -539,7 +548,7 @@
     </p:spTree>
     <p:extLst>
       <p:ext uri="{BB962C8B-B14F-4D97-AF65-F5344CB8AC3E}">
-        <p14:creationId xmlns:p14="http://schemas.microsoft.com/office/powerpoint/2010/main" val="1181452754"/>
+        <p14:creationId xmlns:p14="http://schemas.microsoft.com/office/powerpoint/2010/main" xmlns="" val="1181452754"/>
       </p:ext>
     </p:extLst>
   </p:cSld>
@@ -614,6 +623,7 @@
           <a:p>
             <a:fld id="{9A7201C5-704D-455C-A585-497E7A27AE2B}" type="slidenum">
               <a:rPr lang="ko-KR" altLang="en-US" smtClean="0"/>
+              <a:pPr/>
               <a:t>6</a:t>
             </a:fld>
             <a:endParaRPr lang="ko-KR" altLang="en-US"/>
@@ -623,7 +633,517 @@
     </p:spTree>
     <p:extLst>
       <p:ext uri="{BB962C8B-B14F-4D97-AF65-F5344CB8AC3E}">
-        <p14:creationId xmlns:p14="http://schemas.microsoft.com/office/powerpoint/2010/main" val="349092368"/>
+        <p14:creationId xmlns:p14="http://schemas.microsoft.com/office/powerpoint/2010/main" xmlns="" val="349092368"/>
+      </p:ext>
+    </p:extLst>
+  </p:cSld>
+  <p:clrMapOvr>
+    <a:masterClrMapping/>
+  </p:clrMapOvr>
+</p:notes>
+</file>
+
+<file path=ppt/notesSlides/notesSlide3.xml><?xml version="1.0" encoding="utf-8"?>
+<p:notes xmlns:a="http://schemas.openxmlformats.org/drawingml/2006/main" xmlns:r="http://schemas.openxmlformats.org/officeDocument/2006/relationships" xmlns:p="http://schemas.openxmlformats.org/presentationml/2006/main">
+  <p:cSld>
+    <p:spTree>
+      <p:nvGrpSpPr>
+        <p:cNvPr id="1" name=""/>
+        <p:cNvGrpSpPr/>
+        <p:nvPr/>
+      </p:nvGrpSpPr>
+      <p:grpSpPr>
+        <a:xfrm>
+          <a:off x="0" y="0"/>
+          <a:ext cx="0" cy="0"/>
+          <a:chOff x="0" y="0"/>
+          <a:chExt cx="0" cy="0"/>
+        </a:xfrm>
+      </p:grpSpPr>
+      <p:sp>
+        <p:nvSpPr>
+          <p:cNvPr id="2" name="슬라이드 이미지 개체 틀 1"/>
+          <p:cNvSpPr>
+            <a:spLocks noGrp="1" noRot="1" noChangeAspect="1"/>
+          </p:cNvSpPr>
+          <p:nvPr>
+            <p:ph type="sldImg"/>
+          </p:nvPr>
+        </p:nvSpPr>
+        <p:spPr/>
+      </p:sp>
+      <p:sp>
+        <p:nvSpPr>
+          <p:cNvPr id="3" name="슬라이드 노트 개체 틀 2"/>
+          <p:cNvSpPr>
+            <a:spLocks noGrp="1"/>
+          </p:cNvSpPr>
+          <p:nvPr>
+            <p:ph type="body" idx="1"/>
+          </p:nvPr>
+        </p:nvSpPr>
+        <p:spPr/>
+        <p:txBody>
+          <a:bodyPr/>
+          <a:lstStyle/>
+          <a:p>
+            <a:endParaRPr lang="ko-KR" altLang="en-US" dirty="0"/>
+          </a:p>
+        </p:txBody>
+      </p:sp>
+      <p:sp>
+        <p:nvSpPr>
+          <p:cNvPr id="4" name="슬라이드 번호 개체 틀 3"/>
+          <p:cNvSpPr>
+            <a:spLocks noGrp="1"/>
+          </p:cNvSpPr>
+          <p:nvPr>
+            <p:ph type="sldNum" sz="quarter" idx="10"/>
+          </p:nvPr>
+        </p:nvSpPr>
+        <p:spPr/>
+        <p:txBody>
+          <a:bodyPr/>
+          <a:lstStyle/>
+          <a:p>
+            <a:fld id="{9A7201C5-704D-455C-A585-497E7A27AE2B}" type="slidenum">
+              <a:rPr lang="ko-KR" altLang="en-US" smtClean="0"/>
+              <a:pPr/>
+              <a:t>7</a:t>
+            </a:fld>
+            <a:endParaRPr lang="ko-KR" altLang="en-US"/>
+          </a:p>
+        </p:txBody>
+      </p:sp>
+    </p:spTree>
+    <p:extLst>
+      <p:ext uri="{BB962C8B-B14F-4D97-AF65-F5344CB8AC3E}">
+        <p14:creationId xmlns:p14="http://schemas.microsoft.com/office/powerpoint/2010/main" xmlns="" val="349092368"/>
+      </p:ext>
+    </p:extLst>
+  </p:cSld>
+  <p:clrMapOvr>
+    <a:masterClrMapping/>
+  </p:clrMapOvr>
+</p:notes>
+</file>
+
+<file path=ppt/notesSlides/notesSlide4.xml><?xml version="1.0" encoding="utf-8"?>
+<p:notes xmlns:a="http://schemas.openxmlformats.org/drawingml/2006/main" xmlns:r="http://schemas.openxmlformats.org/officeDocument/2006/relationships" xmlns:p="http://schemas.openxmlformats.org/presentationml/2006/main">
+  <p:cSld>
+    <p:spTree>
+      <p:nvGrpSpPr>
+        <p:cNvPr id="1" name=""/>
+        <p:cNvGrpSpPr/>
+        <p:nvPr/>
+      </p:nvGrpSpPr>
+      <p:grpSpPr>
+        <a:xfrm>
+          <a:off x="0" y="0"/>
+          <a:ext cx="0" cy="0"/>
+          <a:chOff x="0" y="0"/>
+          <a:chExt cx="0" cy="0"/>
+        </a:xfrm>
+      </p:grpSpPr>
+      <p:sp>
+        <p:nvSpPr>
+          <p:cNvPr id="2" name="슬라이드 이미지 개체 틀 1"/>
+          <p:cNvSpPr>
+            <a:spLocks noGrp="1" noRot="1" noChangeAspect="1"/>
+          </p:cNvSpPr>
+          <p:nvPr>
+            <p:ph type="sldImg"/>
+          </p:nvPr>
+        </p:nvSpPr>
+        <p:spPr/>
+      </p:sp>
+      <p:sp>
+        <p:nvSpPr>
+          <p:cNvPr id="3" name="슬라이드 노트 개체 틀 2"/>
+          <p:cNvSpPr>
+            <a:spLocks noGrp="1"/>
+          </p:cNvSpPr>
+          <p:nvPr>
+            <p:ph type="body" idx="1"/>
+          </p:nvPr>
+        </p:nvSpPr>
+        <p:spPr/>
+        <p:txBody>
+          <a:bodyPr/>
+          <a:lstStyle/>
+          <a:p>
+            <a:endParaRPr lang="ko-KR" altLang="en-US" dirty="0"/>
+          </a:p>
+        </p:txBody>
+      </p:sp>
+      <p:sp>
+        <p:nvSpPr>
+          <p:cNvPr id="4" name="슬라이드 번호 개체 틀 3"/>
+          <p:cNvSpPr>
+            <a:spLocks noGrp="1"/>
+          </p:cNvSpPr>
+          <p:nvPr>
+            <p:ph type="sldNum" sz="quarter" idx="10"/>
+          </p:nvPr>
+        </p:nvSpPr>
+        <p:spPr/>
+        <p:txBody>
+          <a:bodyPr/>
+          <a:lstStyle/>
+          <a:p>
+            <a:fld id="{9A7201C5-704D-455C-A585-497E7A27AE2B}" type="slidenum">
+              <a:rPr lang="ko-KR" altLang="en-US" smtClean="0"/>
+              <a:pPr/>
+              <a:t>8</a:t>
+            </a:fld>
+            <a:endParaRPr lang="ko-KR" altLang="en-US"/>
+          </a:p>
+        </p:txBody>
+      </p:sp>
+    </p:spTree>
+    <p:extLst>
+      <p:ext uri="{BB962C8B-B14F-4D97-AF65-F5344CB8AC3E}">
+        <p14:creationId xmlns:p14="http://schemas.microsoft.com/office/powerpoint/2010/main" xmlns="" val="349092368"/>
+      </p:ext>
+    </p:extLst>
+  </p:cSld>
+  <p:clrMapOvr>
+    <a:masterClrMapping/>
+  </p:clrMapOvr>
+</p:notes>
+</file>
+
+<file path=ppt/notesSlides/notesSlide5.xml><?xml version="1.0" encoding="utf-8"?>
+<p:notes xmlns:a="http://schemas.openxmlformats.org/drawingml/2006/main" xmlns:r="http://schemas.openxmlformats.org/officeDocument/2006/relationships" xmlns:p="http://schemas.openxmlformats.org/presentationml/2006/main">
+  <p:cSld>
+    <p:spTree>
+      <p:nvGrpSpPr>
+        <p:cNvPr id="1" name=""/>
+        <p:cNvGrpSpPr/>
+        <p:nvPr/>
+      </p:nvGrpSpPr>
+      <p:grpSpPr>
+        <a:xfrm>
+          <a:off x="0" y="0"/>
+          <a:ext cx="0" cy="0"/>
+          <a:chOff x="0" y="0"/>
+          <a:chExt cx="0" cy="0"/>
+        </a:xfrm>
+      </p:grpSpPr>
+      <p:sp>
+        <p:nvSpPr>
+          <p:cNvPr id="2" name="슬라이드 이미지 개체 틀 1"/>
+          <p:cNvSpPr>
+            <a:spLocks noGrp="1" noRot="1" noChangeAspect="1"/>
+          </p:cNvSpPr>
+          <p:nvPr>
+            <p:ph type="sldImg"/>
+          </p:nvPr>
+        </p:nvSpPr>
+        <p:spPr/>
+      </p:sp>
+      <p:sp>
+        <p:nvSpPr>
+          <p:cNvPr id="3" name="슬라이드 노트 개체 틀 2"/>
+          <p:cNvSpPr>
+            <a:spLocks noGrp="1"/>
+          </p:cNvSpPr>
+          <p:nvPr>
+            <p:ph type="body" idx="1"/>
+          </p:nvPr>
+        </p:nvSpPr>
+        <p:spPr/>
+        <p:txBody>
+          <a:bodyPr/>
+          <a:lstStyle/>
+          <a:p>
+            <a:endParaRPr lang="ko-KR" altLang="en-US" dirty="0"/>
+          </a:p>
+        </p:txBody>
+      </p:sp>
+      <p:sp>
+        <p:nvSpPr>
+          <p:cNvPr id="4" name="슬라이드 번호 개체 틀 3"/>
+          <p:cNvSpPr>
+            <a:spLocks noGrp="1"/>
+          </p:cNvSpPr>
+          <p:nvPr>
+            <p:ph type="sldNum" sz="quarter" idx="10"/>
+          </p:nvPr>
+        </p:nvSpPr>
+        <p:spPr/>
+        <p:txBody>
+          <a:bodyPr/>
+          <a:lstStyle/>
+          <a:p>
+            <a:fld id="{9A7201C5-704D-455C-A585-497E7A27AE2B}" type="slidenum">
+              <a:rPr lang="ko-KR" altLang="en-US" smtClean="0"/>
+              <a:pPr/>
+              <a:t>9</a:t>
+            </a:fld>
+            <a:endParaRPr lang="ko-KR" altLang="en-US"/>
+          </a:p>
+        </p:txBody>
+      </p:sp>
+    </p:spTree>
+    <p:extLst>
+      <p:ext uri="{BB962C8B-B14F-4D97-AF65-F5344CB8AC3E}">
+        <p14:creationId xmlns:p14="http://schemas.microsoft.com/office/powerpoint/2010/main" xmlns="" val="349092368"/>
+      </p:ext>
+    </p:extLst>
+  </p:cSld>
+  <p:clrMapOvr>
+    <a:masterClrMapping/>
+  </p:clrMapOvr>
+</p:notes>
+</file>
+
+<file path=ppt/notesSlides/notesSlide6.xml><?xml version="1.0" encoding="utf-8"?>
+<p:notes xmlns:a="http://schemas.openxmlformats.org/drawingml/2006/main" xmlns:r="http://schemas.openxmlformats.org/officeDocument/2006/relationships" xmlns:p="http://schemas.openxmlformats.org/presentationml/2006/main">
+  <p:cSld>
+    <p:spTree>
+      <p:nvGrpSpPr>
+        <p:cNvPr id="1" name=""/>
+        <p:cNvGrpSpPr/>
+        <p:nvPr/>
+      </p:nvGrpSpPr>
+      <p:grpSpPr>
+        <a:xfrm>
+          <a:off x="0" y="0"/>
+          <a:ext cx="0" cy="0"/>
+          <a:chOff x="0" y="0"/>
+          <a:chExt cx="0" cy="0"/>
+        </a:xfrm>
+      </p:grpSpPr>
+      <p:sp>
+        <p:nvSpPr>
+          <p:cNvPr id="2" name="슬라이드 이미지 개체 틀 1"/>
+          <p:cNvSpPr>
+            <a:spLocks noGrp="1" noRot="1" noChangeAspect="1"/>
+          </p:cNvSpPr>
+          <p:nvPr>
+            <p:ph type="sldImg"/>
+          </p:nvPr>
+        </p:nvSpPr>
+        <p:spPr/>
+      </p:sp>
+      <p:sp>
+        <p:nvSpPr>
+          <p:cNvPr id="3" name="슬라이드 노트 개체 틀 2"/>
+          <p:cNvSpPr>
+            <a:spLocks noGrp="1"/>
+          </p:cNvSpPr>
+          <p:nvPr>
+            <p:ph type="body" idx="1"/>
+          </p:nvPr>
+        </p:nvSpPr>
+        <p:spPr/>
+        <p:txBody>
+          <a:bodyPr/>
+          <a:lstStyle/>
+          <a:p>
+            <a:endParaRPr lang="ko-KR" altLang="en-US" dirty="0"/>
+          </a:p>
+        </p:txBody>
+      </p:sp>
+      <p:sp>
+        <p:nvSpPr>
+          <p:cNvPr id="4" name="슬라이드 번호 개체 틀 3"/>
+          <p:cNvSpPr>
+            <a:spLocks noGrp="1"/>
+          </p:cNvSpPr>
+          <p:nvPr>
+            <p:ph type="sldNum" sz="quarter" idx="10"/>
+          </p:nvPr>
+        </p:nvSpPr>
+        <p:spPr/>
+        <p:txBody>
+          <a:bodyPr/>
+          <a:lstStyle/>
+          <a:p>
+            <a:fld id="{9A7201C5-704D-455C-A585-497E7A27AE2B}" type="slidenum">
+              <a:rPr lang="ko-KR" altLang="en-US" smtClean="0"/>
+              <a:pPr/>
+              <a:t>10</a:t>
+            </a:fld>
+            <a:endParaRPr lang="ko-KR" altLang="en-US"/>
+          </a:p>
+        </p:txBody>
+      </p:sp>
+    </p:spTree>
+    <p:extLst>
+      <p:ext uri="{BB962C8B-B14F-4D97-AF65-F5344CB8AC3E}">
+        <p14:creationId xmlns:p14="http://schemas.microsoft.com/office/powerpoint/2010/main" xmlns="" val="349092368"/>
+      </p:ext>
+    </p:extLst>
+  </p:cSld>
+  <p:clrMapOvr>
+    <a:masterClrMapping/>
+  </p:clrMapOvr>
+</p:notes>
+</file>
+
+<file path=ppt/notesSlides/notesSlide7.xml><?xml version="1.0" encoding="utf-8"?>
+<p:notes xmlns:a="http://schemas.openxmlformats.org/drawingml/2006/main" xmlns:r="http://schemas.openxmlformats.org/officeDocument/2006/relationships" xmlns:p="http://schemas.openxmlformats.org/presentationml/2006/main">
+  <p:cSld>
+    <p:spTree>
+      <p:nvGrpSpPr>
+        <p:cNvPr id="1" name=""/>
+        <p:cNvGrpSpPr/>
+        <p:nvPr/>
+      </p:nvGrpSpPr>
+      <p:grpSpPr>
+        <a:xfrm>
+          <a:off x="0" y="0"/>
+          <a:ext cx="0" cy="0"/>
+          <a:chOff x="0" y="0"/>
+          <a:chExt cx="0" cy="0"/>
+        </a:xfrm>
+      </p:grpSpPr>
+      <p:sp>
+        <p:nvSpPr>
+          <p:cNvPr id="2" name="슬라이드 이미지 개체 틀 1"/>
+          <p:cNvSpPr>
+            <a:spLocks noGrp="1" noRot="1" noChangeAspect="1"/>
+          </p:cNvSpPr>
+          <p:nvPr>
+            <p:ph type="sldImg"/>
+          </p:nvPr>
+        </p:nvSpPr>
+        <p:spPr/>
+      </p:sp>
+      <p:sp>
+        <p:nvSpPr>
+          <p:cNvPr id="3" name="슬라이드 노트 개체 틀 2"/>
+          <p:cNvSpPr>
+            <a:spLocks noGrp="1"/>
+          </p:cNvSpPr>
+          <p:nvPr>
+            <p:ph type="body" idx="1"/>
+          </p:nvPr>
+        </p:nvSpPr>
+        <p:spPr/>
+        <p:txBody>
+          <a:bodyPr/>
+          <a:lstStyle/>
+          <a:p>
+            <a:endParaRPr lang="ko-KR" altLang="en-US" dirty="0"/>
+          </a:p>
+        </p:txBody>
+      </p:sp>
+      <p:sp>
+        <p:nvSpPr>
+          <p:cNvPr id="4" name="슬라이드 번호 개체 틀 3"/>
+          <p:cNvSpPr>
+            <a:spLocks noGrp="1"/>
+          </p:cNvSpPr>
+          <p:nvPr>
+            <p:ph type="sldNum" sz="quarter" idx="10"/>
+          </p:nvPr>
+        </p:nvSpPr>
+        <p:spPr/>
+        <p:txBody>
+          <a:bodyPr/>
+          <a:lstStyle/>
+          <a:p>
+            <a:fld id="{9A7201C5-704D-455C-A585-497E7A27AE2B}" type="slidenum">
+              <a:rPr lang="ko-KR" altLang="en-US" smtClean="0"/>
+              <a:pPr/>
+              <a:t>11</a:t>
+            </a:fld>
+            <a:endParaRPr lang="ko-KR" altLang="en-US"/>
+          </a:p>
+        </p:txBody>
+      </p:sp>
+    </p:spTree>
+    <p:extLst>
+      <p:ext uri="{BB962C8B-B14F-4D97-AF65-F5344CB8AC3E}">
+        <p14:creationId xmlns:p14="http://schemas.microsoft.com/office/powerpoint/2010/main" xmlns="" val="349092368"/>
+      </p:ext>
+    </p:extLst>
+  </p:cSld>
+  <p:clrMapOvr>
+    <a:masterClrMapping/>
+  </p:clrMapOvr>
+</p:notes>
+</file>
+
+<file path=ppt/notesSlides/notesSlide8.xml><?xml version="1.0" encoding="utf-8"?>
+<p:notes xmlns:a="http://schemas.openxmlformats.org/drawingml/2006/main" xmlns:r="http://schemas.openxmlformats.org/officeDocument/2006/relationships" xmlns:p="http://schemas.openxmlformats.org/presentationml/2006/main">
+  <p:cSld>
+    <p:spTree>
+      <p:nvGrpSpPr>
+        <p:cNvPr id="1" name=""/>
+        <p:cNvGrpSpPr/>
+        <p:nvPr/>
+      </p:nvGrpSpPr>
+      <p:grpSpPr>
+        <a:xfrm>
+          <a:off x="0" y="0"/>
+          <a:ext cx="0" cy="0"/>
+          <a:chOff x="0" y="0"/>
+          <a:chExt cx="0" cy="0"/>
+        </a:xfrm>
+      </p:grpSpPr>
+      <p:sp>
+        <p:nvSpPr>
+          <p:cNvPr id="2" name="슬라이드 이미지 개체 틀 1"/>
+          <p:cNvSpPr>
+            <a:spLocks noGrp="1" noRot="1" noChangeAspect="1"/>
+          </p:cNvSpPr>
+          <p:nvPr>
+            <p:ph type="sldImg"/>
+          </p:nvPr>
+        </p:nvSpPr>
+        <p:spPr/>
+      </p:sp>
+      <p:sp>
+        <p:nvSpPr>
+          <p:cNvPr id="3" name="슬라이드 노트 개체 틀 2"/>
+          <p:cNvSpPr>
+            <a:spLocks noGrp="1"/>
+          </p:cNvSpPr>
+          <p:nvPr>
+            <p:ph type="body" idx="1"/>
+          </p:nvPr>
+        </p:nvSpPr>
+        <p:spPr/>
+        <p:txBody>
+          <a:bodyPr/>
+          <a:lstStyle/>
+          <a:p>
+            <a:endParaRPr lang="ko-KR" altLang="en-US" dirty="0"/>
+          </a:p>
+        </p:txBody>
+      </p:sp>
+      <p:sp>
+        <p:nvSpPr>
+          <p:cNvPr id="4" name="슬라이드 번호 개체 틀 3"/>
+          <p:cNvSpPr>
+            <a:spLocks noGrp="1"/>
+          </p:cNvSpPr>
+          <p:nvPr>
+            <p:ph type="sldNum" sz="quarter" idx="10"/>
+          </p:nvPr>
+        </p:nvSpPr>
+        <p:spPr/>
+        <p:txBody>
+          <a:bodyPr/>
+          <a:lstStyle/>
+          <a:p>
+            <a:fld id="{9A7201C5-704D-455C-A585-497E7A27AE2B}" type="slidenum">
+              <a:rPr lang="ko-KR" altLang="en-US" smtClean="0"/>
+              <a:pPr/>
+              <a:t>12</a:t>
+            </a:fld>
+            <a:endParaRPr lang="ko-KR" altLang="en-US"/>
+          </a:p>
+        </p:txBody>
+      </p:sp>
+    </p:spTree>
+    <p:extLst>
+      <p:ext uri="{BB962C8B-B14F-4D97-AF65-F5344CB8AC3E}">
+        <p14:creationId xmlns:p14="http://schemas.microsoft.com/office/powerpoint/2010/main" xmlns="" val="349092368"/>
       </p:ext>
     </p:extLst>
   </p:cSld>
@@ -814,6 +1334,7 @@
           <a:p>
             <a:fld id="{F33EAD8D-D74C-48E7-AE9D-32CFE510A150}" type="datetimeFigureOut">
               <a:rPr lang="ko-KR" altLang="en-US" smtClean="0"/>
+              <a:pPr/>
               <a:t>2017-07-03</a:t>
             </a:fld>
             <a:endParaRPr lang="ko-KR" altLang="en-US"/>
@@ -856,6 +1377,7 @@
           <a:p>
             <a:fld id="{D6CA7C8E-EFEE-4A4E-9BC8-1F4287A35377}" type="slidenum">
               <a:rPr lang="ko-KR" altLang="en-US" smtClean="0"/>
+              <a:pPr/>
               <a:t>‹#›</a:t>
             </a:fld>
             <a:endParaRPr lang="ko-KR" altLang="en-US"/>
@@ -865,7 +1387,7 @@
     </p:spTree>
     <p:extLst>
       <p:ext uri="{BB962C8B-B14F-4D97-AF65-F5344CB8AC3E}">
-        <p14:creationId xmlns:p14="http://schemas.microsoft.com/office/powerpoint/2010/main" val="627117022"/>
+        <p14:creationId xmlns:p14="http://schemas.microsoft.com/office/powerpoint/2010/main" xmlns="" val="627117022"/>
       </p:ext>
     </p:extLst>
   </p:cSld>
@@ -984,6 +1506,7 @@
           <a:p>
             <a:fld id="{F33EAD8D-D74C-48E7-AE9D-32CFE510A150}" type="datetimeFigureOut">
               <a:rPr lang="ko-KR" altLang="en-US" smtClean="0"/>
+              <a:pPr/>
               <a:t>2017-07-03</a:t>
             </a:fld>
             <a:endParaRPr lang="ko-KR" altLang="en-US"/>
@@ -1026,6 +1549,7 @@
           <a:p>
             <a:fld id="{D6CA7C8E-EFEE-4A4E-9BC8-1F4287A35377}" type="slidenum">
               <a:rPr lang="ko-KR" altLang="en-US" smtClean="0"/>
+              <a:pPr/>
               <a:t>‹#›</a:t>
             </a:fld>
             <a:endParaRPr lang="ko-KR" altLang="en-US"/>
@@ -1035,7 +1559,7 @@
     </p:spTree>
     <p:extLst>
       <p:ext uri="{BB962C8B-B14F-4D97-AF65-F5344CB8AC3E}">
-        <p14:creationId xmlns:p14="http://schemas.microsoft.com/office/powerpoint/2010/main" val="2582554827"/>
+        <p14:creationId xmlns:p14="http://schemas.microsoft.com/office/powerpoint/2010/main" xmlns="" val="2582554827"/>
       </p:ext>
     </p:extLst>
   </p:cSld>
@@ -1164,6 +1688,7 @@
           <a:p>
             <a:fld id="{F33EAD8D-D74C-48E7-AE9D-32CFE510A150}" type="datetimeFigureOut">
               <a:rPr lang="ko-KR" altLang="en-US" smtClean="0"/>
+              <a:pPr/>
               <a:t>2017-07-03</a:t>
             </a:fld>
             <a:endParaRPr lang="ko-KR" altLang="en-US"/>
@@ -1206,6 +1731,7 @@
           <a:p>
             <a:fld id="{D6CA7C8E-EFEE-4A4E-9BC8-1F4287A35377}" type="slidenum">
               <a:rPr lang="ko-KR" altLang="en-US" smtClean="0"/>
+              <a:pPr/>
               <a:t>‹#›</a:t>
             </a:fld>
             <a:endParaRPr lang="ko-KR" altLang="en-US"/>
@@ -1215,7 +1741,7 @@
     </p:spTree>
     <p:extLst>
       <p:ext uri="{BB962C8B-B14F-4D97-AF65-F5344CB8AC3E}">
-        <p14:creationId xmlns:p14="http://schemas.microsoft.com/office/powerpoint/2010/main" val="2790989001"/>
+        <p14:creationId xmlns:p14="http://schemas.microsoft.com/office/powerpoint/2010/main" xmlns="" val="2790989001"/>
       </p:ext>
     </p:extLst>
   </p:cSld>
@@ -1334,6 +1860,7 @@
           <a:p>
             <a:fld id="{F33EAD8D-D74C-48E7-AE9D-32CFE510A150}" type="datetimeFigureOut">
               <a:rPr lang="ko-KR" altLang="en-US" smtClean="0"/>
+              <a:pPr/>
               <a:t>2017-07-03</a:t>
             </a:fld>
             <a:endParaRPr lang="ko-KR" altLang="en-US"/>
@@ -1376,6 +1903,7 @@
           <a:p>
             <a:fld id="{D6CA7C8E-EFEE-4A4E-9BC8-1F4287A35377}" type="slidenum">
               <a:rPr lang="ko-KR" altLang="en-US" smtClean="0"/>
+              <a:pPr/>
               <a:t>‹#›</a:t>
             </a:fld>
             <a:endParaRPr lang="ko-KR" altLang="en-US"/>
@@ -1385,7 +1913,7 @@
     </p:spTree>
     <p:extLst>
       <p:ext uri="{BB962C8B-B14F-4D97-AF65-F5344CB8AC3E}">
-        <p14:creationId xmlns:p14="http://schemas.microsoft.com/office/powerpoint/2010/main" val="1168936495"/>
+        <p14:creationId xmlns:p14="http://schemas.microsoft.com/office/powerpoint/2010/main" xmlns="" val="1168936495"/>
       </p:ext>
     </p:extLst>
   </p:cSld>
@@ -1580,6 +2108,7 @@
           <a:p>
             <a:fld id="{F33EAD8D-D74C-48E7-AE9D-32CFE510A150}" type="datetimeFigureOut">
               <a:rPr lang="ko-KR" altLang="en-US" smtClean="0"/>
+              <a:pPr/>
               <a:t>2017-07-03</a:t>
             </a:fld>
             <a:endParaRPr lang="ko-KR" altLang="en-US"/>
@@ -1622,6 +2151,7 @@
           <a:p>
             <a:fld id="{D6CA7C8E-EFEE-4A4E-9BC8-1F4287A35377}" type="slidenum">
               <a:rPr lang="ko-KR" altLang="en-US" smtClean="0"/>
+              <a:pPr/>
               <a:t>‹#›</a:t>
             </a:fld>
             <a:endParaRPr lang="ko-KR" altLang="en-US"/>
@@ -1631,7 +2161,7 @@
     </p:spTree>
     <p:extLst>
       <p:ext uri="{BB962C8B-B14F-4D97-AF65-F5344CB8AC3E}">
-        <p14:creationId xmlns:p14="http://schemas.microsoft.com/office/powerpoint/2010/main" val="1186009390"/>
+        <p14:creationId xmlns:p14="http://schemas.microsoft.com/office/powerpoint/2010/main" xmlns="" val="1186009390"/>
       </p:ext>
     </p:extLst>
   </p:cSld>
@@ -1868,6 +2398,7 @@
           <a:p>
             <a:fld id="{F33EAD8D-D74C-48E7-AE9D-32CFE510A150}" type="datetimeFigureOut">
               <a:rPr lang="ko-KR" altLang="en-US" smtClean="0"/>
+              <a:pPr/>
               <a:t>2017-07-03</a:t>
             </a:fld>
             <a:endParaRPr lang="ko-KR" altLang="en-US"/>
@@ -1910,6 +2441,7 @@
           <a:p>
             <a:fld id="{D6CA7C8E-EFEE-4A4E-9BC8-1F4287A35377}" type="slidenum">
               <a:rPr lang="ko-KR" altLang="en-US" smtClean="0"/>
+              <a:pPr/>
               <a:t>‹#›</a:t>
             </a:fld>
             <a:endParaRPr lang="ko-KR" altLang="en-US"/>
@@ -1919,7 +2451,7 @@
     </p:spTree>
     <p:extLst>
       <p:ext uri="{BB962C8B-B14F-4D97-AF65-F5344CB8AC3E}">
-        <p14:creationId xmlns:p14="http://schemas.microsoft.com/office/powerpoint/2010/main" val="3686297996"/>
+        <p14:creationId xmlns:p14="http://schemas.microsoft.com/office/powerpoint/2010/main" xmlns="" val="3686297996"/>
       </p:ext>
     </p:extLst>
   </p:cSld>
@@ -2295,6 +2827,7 @@
           <a:p>
             <a:fld id="{F33EAD8D-D74C-48E7-AE9D-32CFE510A150}" type="datetimeFigureOut">
               <a:rPr lang="ko-KR" altLang="en-US" smtClean="0"/>
+              <a:pPr/>
               <a:t>2017-07-03</a:t>
             </a:fld>
             <a:endParaRPr lang="ko-KR" altLang="en-US"/>
@@ -2337,6 +2870,7 @@
           <a:p>
             <a:fld id="{D6CA7C8E-EFEE-4A4E-9BC8-1F4287A35377}" type="slidenum">
               <a:rPr lang="ko-KR" altLang="en-US" smtClean="0"/>
+              <a:pPr/>
               <a:t>‹#›</a:t>
             </a:fld>
             <a:endParaRPr lang="ko-KR" altLang="en-US"/>
@@ -2346,7 +2880,7 @@
     </p:spTree>
     <p:extLst>
       <p:ext uri="{BB962C8B-B14F-4D97-AF65-F5344CB8AC3E}">
-        <p14:creationId xmlns:p14="http://schemas.microsoft.com/office/powerpoint/2010/main" val="1695323554"/>
+        <p14:creationId xmlns:p14="http://schemas.microsoft.com/office/powerpoint/2010/main" xmlns="" val="1695323554"/>
       </p:ext>
     </p:extLst>
   </p:cSld>
@@ -2413,6 +2947,7 @@
           <a:p>
             <a:fld id="{F33EAD8D-D74C-48E7-AE9D-32CFE510A150}" type="datetimeFigureOut">
               <a:rPr lang="ko-KR" altLang="en-US" smtClean="0"/>
+              <a:pPr/>
               <a:t>2017-07-03</a:t>
             </a:fld>
             <a:endParaRPr lang="ko-KR" altLang="en-US"/>
@@ -2455,6 +2990,7 @@
           <a:p>
             <a:fld id="{D6CA7C8E-EFEE-4A4E-9BC8-1F4287A35377}" type="slidenum">
               <a:rPr lang="ko-KR" altLang="en-US" smtClean="0"/>
+              <a:pPr/>
               <a:t>‹#›</a:t>
             </a:fld>
             <a:endParaRPr lang="ko-KR" altLang="en-US"/>
@@ -2464,7 +3000,7 @@
     </p:spTree>
     <p:extLst>
       <p:ext uri="{BB962C8B-B14F-4D97-AF65-F5344CB8AC3E}">
-        <p14:creationId xmlns:p14="http://schemas.microsoft.com/office/powerpoint/2010/main" val="1085725463"/>
+        <p14:creationId xmlns:p14="http://schemas.microsoft.com/office/powerpoint/2010/main" xmlns="" val="1085725463"/>
       </p:ext>
     </p:extLst>
   </p:cSld>
@@ -2508,6 +3044,7 @@
           <a:p>
             <a:fld id="{F33EAD8D-D74C-48E7-AE9D-32CFE510A150}" type="datetimeFigureOut">
               <a:rPr lang="ko-KR" altLang="en-US" smtClean="0"/>
+              <a:pPr/>
               <a:t>2017-07-03</a:t>
             </a:fld>
             <a:endParaRPr lang="ko-KR" altLang="en-US"/>
@@ -2550,6 +3087,7 @@
           <a:p>
             <a:fld id="{D6CA7C8E-EFEE-4A4E-9BC8-1F4287A35377}" type="slidenum">
               <a:rPr lang="ko-KR" altLang="en-US" smtClean="0"/>
+              <a:pPr/>
               <a:t>‹#›</a:t>
             </a:fld>
             <a:endParaRPr lang="ko-KR" altLang="en-US"/>
@@ -2559,7 +3097,7 @@
     </p:spTree>
     <p:extLst>
       <p:ext uri="{BB962C8B-B14F-4D97-AF65-F5344CB8AC3E}">
-        <p14:creationId xmlns:p14="http://schemas.microsoft.com/office/powerpoint/2010/main" val="2834048864"/>
+        <p14:creationId xmlns:p14="http://schemas.microsoft.com/office/powerpoint/2010/main" xmlns="" val="2834048864"/>
       </p:ext>
     </p:extLst>
   </p:cSld>
@@ -2785,6 +3323,7 @@
           <a:p>
             <a:fld id="{F33EAD8D-D74C-48E7-AE9D-32CFE510A150}" type="datetimeFigureOut">
               <a:rPr lang="ko-KR" altLang="en-US" smtClean="0"/>
+              <a:pPr/>
               <a:t>2017-07-03</a:t>
             </a:fld>
             <a:endParaRPr lang="ko-KR" altLang="en-US"/>
@@ -2827,6 +3366,7 @@
           <a:p>
             <a:fld id="{D6CA7C8E-EFEE-4A4E-9BC8-1F4287A35377}" type="slidenum">
               <a:rPr lang="ko-KR" altLang="en-US" smtClean="0"/>
+              <a:pPr/>
               <a:t>‹#›</a:t>
             </a:fld>
             <a:endParaRPr lang="ko-KR" altLang="en-US"/>
@@ -2836,7 +3376,7 @@
     </p:spTree>
     <p:extLst>
       <p:ext uri="{BB962C8B-B14F-4D97-AF65-F5344CB8AC3E}">
-        <p14:creationId xmlns:p14="http://schemas.microsoft.com/office/powerpoint/2010/main" val="792472204"/>
+        <p14:creationId xmlns:p14="http://schemas.microsoft.com/office/powerpoint/2010/main" xmlns="" val="792472204"/>
       </p:ext>
     </p:extLst>
   </p:cSld>
@@ -3038,6 +3578,7 @@
           <a:p>
             <a:fld id="{F33EAD8D-D74C-48E7-AE9D-32CFE510A150}" type="datetimeFigureOut">
               <a:rPr lang="ko-KR" altLang="en-US" smtClean="0"/>
+              <a:pPr/>
               <a:t>2017-07-03</a:t>
             </a:fld>
             <a:endParaRPr lang="ko-KR" altLang="en-US"/>
@@ -3080,6 +3621,7 @@
           <a:p>
             <a:fld id="{D6CA7C8E-EFEE-4A4E-9BC8-1F4287A35377}" type="slidenum">
               <a:rPr lang="ko-KR" altLang="en-US" smtClean="0"/>
+              <a:pPr/>
               <a:t>‹#›</a:t>
             </a:fld>
             <a:endParaRPr lang="ko-KR" altLang="en-US"/>
@@ -3089,7 +3631,7 @@
     </p:spTree>
     <p:extLst>
       <p:ext uri="{BB962C8B-B14F-4D97-AF65-F5344CB8AC3E}">
-        <p14:creationId xmlns:p14="http://schemas.microsoft.com/office/powerpoint/2010/main" val="3938919905"/>
+        <p14:creationId xmlns:p14="http://schemas.microsoft.com/office/powerpoint/2010/main" xmlns="" val="3938919905"/>
       </p:ext>
     </p:extLst>
   </p:cSld>
@@ -3251,6 +3793,7 @@
           <a:p>
             <a:fld id="{F33EAD8D-D74C-48E7-AE9D-32CFE510A150}" type="datetimeFigureOut">
               <a:rPr lang="ko-KR" altLang="en-US" smtClean="0"/>
+              <a:pPr/>
               <a:t>2017-07-03</a:t>
             </a:fld>
             <a:endParaRPr lang="ko-KR" altLang="en-US"/>
@@ -3329,6 +3872,7 @@
           <a:p>
             <a:fld id="{D6CA7C8E-EFEE-4A4E-9BC8-1F4287A35377}" type="slidenum">
               <a:rPr lang="ko-KR" altLang="en-US" smtClean="0"/>
+              <a:pPr/>
               <a:t>‹#›</a:t>
             </a:fld>
             <a:endParaRPr lang="ko-KR" altLang="en-US"/>
@@ -3338,7 +3882,7 @@
     </p:spTree>
     <p:extLst>
       <p:ext uri="{BB962C8B-B14F-4D97-AF65-F5344CB8AC3E}">
-        <p14:creationId xmlns:p14="http://schemas.microsoft.com/office/powerpoint/2010/main" val="3735296275"/>
+        <p14:creationId xmlns:p14="http://schemas.microsoft.com/office/powerpoint/2010/main" xmlns="" val="3735296275"/>
       </p:ext>
     </p:extLst>
   </p:cSld>
@@ -3638,7 +4182,7 @@
           <a:blip r:embed="rId2" cstate="print">
             <a:extLst>
               <a:ext uri="{28A0092B-C50C-407E-A947-70E740481C1C}">
-                <a14:useLocalDpi xmlns:a14="http://schemas.microsoft.com/office/drawing/2010/main" val="0"/>
+                <a14:useLocalDpi xmlns:a14="http://schemas.microsoft.com/office/drawing/2010/main" xmlns="" val="0"/>
               </a:ext>
             </a:extLst>
           </a:blip>
@@ -3658,7 +4202,7 @@
           <a:noFill/>
           <a:extLst>
             <a:ext uri="{909E8E84-426E-40DD-AFC4-6F175D3DCCD1}">
-              <a14:hiddenFill xmlns:a14="http://schemas.microsoft.com/office/drawing/2010/main">
+              <a14:hiddenFill xmlns:a14="http://schemas.microsoft.com/office/drawing/2010/main" xmlns="">
                 <a:solidFill>
                   <a:srgbClr val="FFFFFF"/>
                 </a:solidFill>
@@ -3675,8 +4219,8 @@
         </p:nvSpPr>
         <p:spPr>
           <a:xfrm>
-            <a:off x="5580112" y="4492303"/>
-            <a:ext cx="2592288" cy="461665"/>
+            <a:off x="3131840" y="4653136"/>
+            <a:ext cx="2592288" cy="369332"/>
           </a:xfrm>
           <a:prstGeom prst="rect">
             <a:avLst/>
@@ -3691,19 +4235,21 @@
           <a:p>
             <a:pPr algn="r"/>
             <a:r>
-              <a:rPr lang="ko-KR" altLang="en-US" sz="2400" dirty="0" smtClean="0">
+              <a:rPr lang="ko-KR" altLang="en-US" b="1" dirty="0" smtClean="0">
                 <a:solidFill>
                   <a:srgbClr val="434343"/>
                 </a:solidFill>
-                <a:ea typeface="문체부 제목 돋음체" pitchFamily="49" charset="-127"/>
+                <a:latin typeface="나눔명조" pitchFamily="18" charset="-127"/>
+                <a:ea typeface="나눔명조" pitchFamily="18" charset="-127"/>
               </a:rPr>
               <a:t>그린컴퓨터학원</a:t>
             </a:r>
-            <a:endParaRPr lang="en-US" altLang="ko-KR" sz="2400" dirty="0" smtClean="0">
+            <a:endParaRPr lang="en-US" altLang="ko-KR" b="1" dirty="0" smtClean="0">
               <a:solidFill>
                 <a:srgbClr val="434343"/>
               </a:solidFill>
-              <a:ea typeface="문체부 제목 돋음체" pitchFamily="49" charset="-127"/>
+              <a:latin typeface="나눔명조" pitchFamily="18" charset="-127"/>
+              <a:ea typeface="나눔명조" pitchFamily="18" charset="-127"/>
             </a:endParaRPr>
           </a:p>
         </p:txBody>
@@ -3716,7 +4262,7 @@
         </p:nvSpPr>
         <p:spPr>
           <a:xfrm>
-            <a:off x="7236296" y="4931876"/>
+            <a:off x="4355976" y="5003884"/>
             <a:ext cx="936104" cy="369332"/>
           </a:xfrm>
           <a:prstGeom prst="rect">
@@ -3732,42 +4278,81 @@
           <a:p>
             <a:pPr algn="r"/>
             <a:r>
-              <a:rPr lang="ko-KR" altLang="en-US" dirty="0" smtClean="0">
+              <a:rPr lang="ko-KR" altLang="en-US" b="1" dirty="0" smtClean="0">
                 <a:solidFill>
                   <a:srgbClr val="434343"/>
                 </a:solidFill>
-                <a:ea typeface="문체부 제목 돋음체" pitchFamily="49" charset="-127"/>
+                <a:latin typeface="나눔명조" pitchFamily="18" charset="-127"/>
+                <a:ea typeface="나눔명조" pitchFamily="18" charset="-127"/>
               </a:rPr>
               <a:t>전혜빈</a:t>
             </a:r>
-            <a:endParaRPr lang="en-US" altLang="ko-KR" dirty="0" smtClean="0">
+            <a:endParaRPr lang="en-US" altLang="ko-KR" b="1" dirty="0" smtClean="0">
               <a:solidFill>
                 <a:srgbClr val="434343"/>
               </a:solidFill>
-              <a:ea typeface="문체부 제목 돋음체" pitchFamily="49" charset="-127"/>
+              <a:latin typeface="나눔명조" pitchFamily="18" charset="-127"/>
+              <a:ea typeface="나눔명조" pitchFamily="18" charset="-127"/>
             </a:endParaRPr>
           </a:p>
         </p:txBody>
       </p:sp>
+    </p:spTree>
+    <p:extLst>
+      <p:ext uri="{BB962C8B-B14F-4D97-AF65-F5344CB8AC3E}">
+        <p14:creationId xmlns:p14="http://schemas.microsoft.com/office/powerpoint/2010/main" xmlns="" val="708119243"/>
+      </p:ext>
+    </p:extLst>
+  </p:cSld>
+  <p:clrMapOvr>
+    <a:masterClrMapping/>
+  </p:clrMapOvr>
+  <p:timing>
+    <p:tnLst>
+      <p:par>
+        <p:cTn id="1" dur="indefinite" restart="never" nodeType="tmRoot"/>
+      </p:par>
+    </p:tnLst>
+  </p:timing>
+</p:sld>
+</file>
+
+<file path=ppt/slides/slide10.xml><?xml version="1.0" encoding="utf-8"?>
+<p:sld xmlns:a="http://schemas.openxmlformats.org/drawingml/2006/main" xmlns:r="http://schemas.openxmlformats.org/officeDocument/2006/relationships" xmlns:p="http://schemas.openxmlformats.org/presentationml/2006/main">
+  <p:cSld>
+    <p:spTree>
+      <p:nvGrpSpPr>
+        <p:cNvPr id="1" name=""/>
+        <p:cNvGrpSpPr/>
+        <p:nvPr/>
+      </p:nvGrpSpPr>
+      <p:grpSpPr>
+        <a:xfrm>
+          <a:off x="0" y="0"/>
+          <a:ext cx="0" cy="0"/>
+          <a:chOff x="0" y="0"/>
+          <a:chExt cx="0" cy="0"/>
+        </a:xfrm>
+      </p:grpSpPr>
       <p:cxnSp>
         <p:nvCxnSpPr>
-          <p:cNvPr id="7" name="직선 연결선 6"/>
+          <p:cNvPr id="18" name="직선 연결선 17"/>
           <p:cNvCxnSpPr/>
           <p:nvPr/>
         </p:nvCxnSpPr>
         <p:spPr>
           <a:xfrm>
-            <a:off x="539552" y="4797152"/>
-            <a:ext cx="5189981" cy="0"/>
+            <a:off x="251520" y="587048"/>
+            <a:ext cx="4032448" cy="0"/>
           </a:xfrm>
           <a:prstGeom prst="line">
             <a:avLst/>
           </a:prstGeom>
-          <a:ln w="28575">
+          <a:ln>
             <a:solidFill>
               <a:srgbClr val="165704"/>
             </a:solidFill>
-            <a:prstDash val="lgDash"/>
+            <a:prstDash val="dash"/>
           </a:ln>
         </p:spPr>
         <p:style>
@@ -3785,25 +4370,308 @@
           </a:fontRef>
         </p:style>
       </p:cxnSp>
+      <p:sp>
+        <p:nvSpPr>
+          <p:cNvPr id="19" name="TextBox 18"/>
+          <p:cNvSpPr txBox="1"/>
+          <p:nvPr/>
+        </p:nvSpPr>
+        <p:spPr>
+          <a:xfrm>
+            <a:off x="179512" y="188640"/>
+            <a:ext cx="2069797" cy="400110"/>
+          </a:xfrm>
+          <a:prstGeom prst="rect">
+            <a:avLst/>
+          </a:prstGeom>
+          <a:noFill/>
+        </p:spPr>
+        <p:txBody>
+          <a:bodyPr wrap="none" rtlCol="0">
+            <a:spAutoFit/>
+          </a:bodyPr>
+          <a:lstStyle/>
+          <a:p>
+            <a:r>
+              <a:rPr lang="ko-KR" altLang="en-US" sz="2000" b="1" dirty="0" smtClean="0">
+                <a:solidFill>
+                  <a:srgbClr val="165704"/>
+                </a:solidFill>
+                <a:latin typeface="+mj-ea"/>
+                <a:ea typeface="+mj-ea"/>
+              </a:rPr>
+              <a:t>아이디어 스케치</a:t>
+            </a:r>
+            <a:endParaRPr lang="ko-KR" altLang="en-US" sz="2000" b="1" dirty="0">
+              <a:solidFill>
+                <a:srgbClr val="165704"/>
+              </a:solidFill>
+              <a:latin typeface="+mj-ea"/>
+              <a:ea typeface="+mj-ea"/>
+            </a:endParaRPr>
+          </a:p>
+        </p:txBody>
+      </p:sp>
+      <p:sp>
+        <p:nvSpPr>
+          <p:cNvPr id="9" name="오각형 8"/>
+          <p:cNvSpPr/>
+          <p:nvPr/>
+        </p:nvSpPr>
+        <p:spPr>
+          <a:xfrm flipH="1">
+            <a:off x="8172400" y="207596"/>
+            <a:ext cx="971600" cy="323182"/>
+          </a:xfrm>
+          <a:prstGeom prst="homePlate">
+            <a:avLst/>
+          </a:prstGeom>
+          <a:solidFill>
+            <a:srgbClr val="434343"/>
+          </a:solidFill>
+          <a:ln>
+            <a:noFill/>
+          </a:ln>
+        </p:spPr>
+        <p:style>
+          <a:lnRef idx="2">
+            <a:schemeClr val="accent1">
+              <a:shade val="50000"/>
+            </a:schemeClr>
+          </a:lnRef>
+          <a:fillRef idx="1">
+            <a:schemeClr val="accent1"/>
+          </a:fillRef>
+          <a:effectRef idx="0">
+            <a:schemeClr val="accent1"/>
+          </a:effectRef>
+          <a:fontRef idx="minor">
+            <a:schemeClr val="lt1"/>
+          </a:fontRef>
+        </p:style>
+        <p:txBody>
+          <a:bodyPr rtlCol="0" anchor="ctr"/>
+          <a:lstStyle/>
+          <a:p>
+            <a:pPr algn="ctr"/>
+            <a:r>
+              <a:rPr lang="ko-KR" altLang="en-US" sz="1000" dirty="0" smtClean="0">
+                <a:solidFill>
+                  <a:schemeClr val="bg1"/>
+                </a:solidFill>
+              </a:rPr>
+              <a:t>스케</a:t>
+            </a:r>
+            <a:r>
+              <a:rPr lang="ko-KR" altLang="en-US" sz="1000" dirty="0" smtClean="0">
+                <a:solidFill>
+                  <a:schemeClr val="bg1"/>
+                </a:solidFill>
+              </a:rPr>
+              <a:t>치</a:t>
+            </a:r>
+            <a:endParaRPr lang="ko-KR" altLang="en-US" sz="1000" dirty="0">
+              <a:solidFill>
+                <a:schemeClr val="bg1"/>
+              </a:solidFill>
+            </a:endParaRPr>
+          </a:p>
+        </p:txBody>
+      </p:sp>
+      <p:pic>
+        <p:nvPicPr>
+          <p:cNvPr id="4098" name="Picture 2" descr="C:\Users\전혜빈\Desktop\5.JPG"/>
+          <p:cNvPicPr>
+            <a:picLocks noChangeAspect="1" noChangeArrowheads="1"/>
+          </p:cNvPicPr>
+          <p:nvPr/>
+        </p:nvPicPr>
+        <p:blipFill>
+          <a:blip r:embed="rId3" cstate="print"/>
+          <a:srcRect/>
+          <a:stretch>
+            <a:fillRect/>
+          </a:stretch>
+        </p:blipFill>
+        <p:spPr bwMode="auto">
+          <a:xfrm>
+            <a:off x="5076056" y="980728"/>
+            <a:ext cx="3024336" cy="5400600"/>
+          </a:xfrm>
+          <a:prstGeom prst="rect">
+            <a:avLst/>
+          </a:prstGeom>
+          <a:noFill/>
+        </p:spPr>
+      </p:pic>
+      <p:pic>
+        <p:nvPicPr>
+          <p:cNvPr id="4099" name="Picture 3" descr="C:\Users\전혜빈\Desktop\2.JPG"/>
+          <p:cNvPicPr>
+            <a:picLocks noChangeAspect="1" noChangeArrowheads="1"/>
+          </p:cNvPicPr>
+          <p:nvPr/>
+        </p:nvPicPr>
+        <p:blipFill>
+          <a:blip r:embed="rId4" cstate="print"/>
+          <a:srcRect/>
+          <a:stretch>
+            <a:fillRect/>
+          </a:stretch>
+        </p:blipFill>
+        <p:spPr bwMode="auto">
+          <a:xfrm>
+            <a:off x="910621" y="980729"/>
+            <a:ext cx="3476636" cy="5400600"/>
+          </a:xfrm>
+          <a:prstGeom prst="rect">
+            <a:avLst/>
+          </a:prstGeom>
+          <a:noFill/>
+        </p:spPr>
+      </p:pic>
+      <p:sp>
+        <p:nvSpPr>
+          <p:cNvPr id="10" name="TextBox 9"/>
+          <p:cNvSpPr txBox="1"/>
+          <p:nvPr/>
+        </p:nvSpPr>
+        <p:spPr>
+          <a:xfrm>
+            <a:off x="899592" y="692696"/>
+            <a:ext cx="936103" cy="246221"/>
+          </a:xfrm>
+          <a:prstGeom prst="rect">
+            <a:avLst/>
+          </a:prstGeom>
+          <a:noFill/>
+        </p:spPr>
+        <p:txBody>
+          <a:bodyPr wrap="square" rtlCol="0">
+            <a:spAutoFit/>
+          </a:bodyPr>
+          <a:lstStyle/>
+          <a:p>
+            <a:pPr algn="ctr"/>
+            <a:r>
+              <a:rPr lang="ko-KR" altLang="en-US" sz="1000" b="1" dirty="0" smtClean="0">
+                <a:solidFill>
+                  <a:srgbClr val="165704"/>
+                </a:solidFill>
+                <a:latin typeface="돋움체" pitchFamily="49" charset="-127"/>
+                <a:ea typeface="돋움체" pitchFamily="49" charset="-127"/>
+              </a:rPr>
+              <a:t>메뉴 페이지</a:t>
+            </a:r>
+            <a:endParaRPr lang="ko-KR" altLang="en-US" sz="1000" b="1" dirty="0">
+              <a:solidFill>
+                <a:srgbClr val="165704"/>
+              </a:solidFill>
+              <a:latin typeface="돋움체" pitchFamily="49" charset="-127"/>
+              <a:ea typeface="돋움체" pitchFamily="49" charset="-127"/>
+            </a:endParaRPr>
+          </a:p>
+        </p:txBody>
+      </p:sp>
+      <p:sp>
+        <p:nvSpPr>
+          <p:cNvPr id="11" name="TextBox 10"/>
+          <p:cNvSpPr txBox="1"/>
+          <p:nvPr/>
+        </p:nvSpPr>
+        <p:spPr>
+          <a:xfrm>
+            <a:off x="4932040" y="692696"/>
+            <a:ext cx="1296144" cy="246221"/>
+          </a:xfrm>
+          <a:prstGeom prst="rect">
+            <a:avLst/>
+          </a:prstGeom>
+          <a:noFill/>
+        </p:spPr>
+        <p:txBody>
+          <a:bodyPr wrap="square" rtlCol="0">
+            <a:spAutoFit/>
+          </a:bodyPr>
+          <a:lstStyle/>
+          <a:p>
+            <a:pPr algn="ctr"/>
+            <a:r>
+              <a:rPr lang="ko-KR" altLang="en-US" sz="1000" b="1" dirty="0" smtClean="0">
+                <a:solidFill>
+                  <a:srgbClr val="165704"/>
+                </a:solidFill>
+                <a:latin typeface="돋움체" pitchFamily="49" charset="-127"/>
+                <a:ea typeface="돋움체" pitchFamily="49" charset="-127"/>
+              </a:rPr>
+              <a:t>프로모션 페이지</a:t>
+            </a:r>
+            <a:endParaRPr lang="ko-KR" altLang="en-US" sz="1000" b="1" dirty="0">
+              <a:solidFill>
+                <a:srgbClr val="165704"/>
+              </a:solidFill>
+              <a:latin typeface="돋움체" pitchFamily="49" charset="-127"/>
+              <a:ea typeface="돋움체" pitchFamily="49" charset="-127"/>
+            </a:endParaRPr>
+          </a:p>
+        </p:txBody>
+      </p:sp>
+    </p:spTree>
+    <p:extLst>
+      <p:ext uri="{BB962C8B-B14F-4D97-AF65-F5344CB8AC3E}">
+        <p14:creationId xmlns:p14="http://schemas.microsoft.com/office/powerpoint/2010/main" xmlns="" val="4111508987"/>
+      </p:ext>
+    </p:extLst>
+  </p:cSld>
+  <p:clrMapOvr>
+    <a:masterClrMapping/>
+  </p:clrMapOvr>
+  <p:timing>
+    <p:tnLst>
+      <p:par>
+        <p:cTn id="1" dur="indefinite" restart="never" nodeType="tmRoot"/>
+      </p:par>
+    </p:tnLst>
+  </p:timing>
+</p:sld>
+</file>
+
+<file path=ppt/slides/slide11.xml><?xml version="1.0" encoding="utf-8"?>
+<p:sld xmlns:a="http://schemas.openxmlformats.org/drawingml/2006/main" xmlns:r="http://schemas.openxmlformats.org/officeDocument/2006/relationships" xmlns:p="http://schemas.openxmlformats.org/presentationml/2006/main">
+  <p:cSld>
+    <p:spTree>
+      <p:nvGrpSpPr>
+        <p:cNvPr id="1" name=""/>
+        <p:cNvGrpSpPr/>
+        <p:nvPr/>
+      </p:nvGrpSpPr>
+      <p:grpSpPr>
+        <a:xfrm>
+          <a:off x="0" y="0"/>
+          <a:ext cx="0" cy="0"/>
+          <a:chOff x="0" y="0"/>
+          <a:chExt cx="0" cy="0"/>
+        </a:xfrm>
+      </p:grpSpPr>
       <p:cxnSp>
         <p:nvCxnSpPr>
-          <p:cNvPr id="11" name="직선 연결선 10"/>
+          <p:cNvPr id="18" name="직선 연결선 17"/>
           <p:cNvCxnSpPr/>
           <p:nvPr/>
         </p:nvCxnSpPr>
         <p:spPr>
           <a:xfrm>
-            <a:off x="611560" y="1988840"/>
-            <a:ext cx="7926285" cy="0"/>
+            <a:off x="251520" y="587048"/>
+            <a:ext cx="4032448" cy="0"/>
           </a:xfrm>
           <a:prstGeom prst="line">
             <a:avLst/>
           </a:prstGeom>
-          <a:ln w="28575">
+          <a:ln>
             <a:solidFill>
               <a:srgbClr val="165704"/>
             </a:solidFill>
-            <a:prstDash val="lgDash"/>
+            <a:prstDash val="dash"/>
           </a:ln>
         </p:spPr>
         <p:style>
@@ -3821,10 +4689,243 @@
           </a:fontRef>
         </p:style>
       </p:cxnSp>
+      <p:sp>
+        <p:nvSpPr>
+          <p:cNvPr id="19" name="TextBox 18"/>
+          <p:cNvSpPr txBox="1"/>
+          <p:nvPr/>
+        </p:nvSpPr>
+        <p:spPr>
+          <a:xfrm>
+            <a:off x="179512" y="188640"/>
+            <a:ext cx="2069797" cy="400110"/>
+          </a:xfrm>
+          <a:prstGeom prst="rect">
+            <a:avLst/>
+          </a:prstGeom>
+          <a:noFill/>
+        </p:spPr>
+        <p:txBody>
+          <a:bodyPr wrap="none" rtlCol="0">
+            <a:spAutoFit/>
+          </a:bodyPr>
+          <a:lstStyle/>
+          <a:p>
+            <a:r>
+              <a:rPr lang="ko-KR" altLang="en-US" sz="2000" b="1" dirty="0" smtClean="0">
+                <a:solidFill>
+                  <a:srgbClr val="165704"/>
+                </a:solidFill>
+                <a:latin typeface="+mj-ea"/>
+                <a:ea typeface="+mj-ea"/>
+              </a:rPr>
+              <a:t>프로토타입 제작</a:t>
+            </a:r>
+            <a:endParaRPr lang="ko-KR" altLang="en-US" sz="2000" b="1" dirty="0">
+              <a:solidFill>
+                <a:srgbClr val="165704"/>
+              </a:solidFill>
+              <a:latin typeface="+mj-ea"/>
+              <a:ea typeface="+mj-ea"/>
+            </a:endParaRPr>
+          </a:p>
+        </p:txBody>
+      </p:sp>
+      <p:sp>
+        <p:nvSpPr>
+          <p:cNvPr id="9" name="오각형 8"/>
+          <p:cNvSpPr/>
+          <p:nvPr/>
+        </p:nvSpPr>
+        <p:spPr>
+          <a:xfrm flipH="1">
+            <a:off x="8172400" y="207596"/>
+            <a:ext cx="971600" cy="323182"/>
+          </a:xfrm>
+          <a:prstGeom prst="homePlate">
+            <a:avLst/>
+          </a:prstGeom>
+          <a:solidFill>
+            <a:srgbClr val="434343"/>
+          </a:solidFill>
+          <a:ln>
+            <a:noFill/>
+          </a:ln>
+        </p:spPr>
+        <p:style>
+          <a:lnRef idx="2">
+            <a:schemeClr val="accent1">
+              <a:shade val="50000"/>
+            </a:schemeClr>
+          </a:lnRef>
+          <a:fillRef idx="1">
+            <a:schemeClr val="accent1"/>
+          </a:fillRef>
+          <a:effectRef idx="0">
+            <a:schemeClr val="accent1"/>
+          </a:effectRef>
+          <a:fontRef idx="minor">
+            <a:schemeClr val="lt1"/>
+          </a:fontRef>
+        </p:style>
+        <p:txBody>
+          <a:bodyPr rtlCol="0" anchor="ctr"/>
+          <a:lstStyle/>
+          <a:p>
+            <a:pPr algn="ctr"/>
+            <a:r>
+              <a:rPr lang="ko-KR" altLang="en-US" sz="1000" dirty="0" smtClean="0">
+                <a:solidFill>
+                  <a:schemeClr val="bg1"/>
+                </a:solidFill>
+              </a:rPr>
+              <a:t>프로토타입</a:t>
+            </a:r>
+            <a:endParaRPr lang="ko-KR" altLang="en-US" sz="1000" dirty="0">
+              <a:solidFill>
+                <a:schemeClr val="bg1"/>
+              </a:solidFill>
+            </a:endParaRPr>
+          </a:p>
+        </p:txBody>
+      </p:sp>
     </p:spTree>
     <p:extLst>
       <p:ext uri="{BB962C8B-B14F-4D97-AF65-F5344CB8AC3E}">
-        <p14:creationId xmlns:p14="http://schemas.microsoft.com/office/powerpoint/2010/main" val="708119243"/>
+        <p14:creationId xmlns:p14="http://schemas.microsoft.com/office/powerpoint/2010/main" xmlns="" val="4111508987"/>
+      </p:ext>
+    </p:extLst>
+  </p:cSld>
+  <p:clrMapOvr>
+    <a:masterClrMapping/>
+  </p:clrMapOvr>
+  <p:timing>
+    <p:tnLst>
+      <p:par>
+        <p:cTn id="1" dur="indefinite" restart="never" nodeType="tmRoot"/>
+      </p:par>
+    </p:tnLst>
+  </p:timing>
+</p:sld>
+</file>
+
+<file path=ppt/slides/slide12.xml><?xml version="1.0" encoding="utf-8"?>
+<p:sld xmlns:a="http://schemas.openxmlformats.org/drawingml/2006/main" xmlns:r="http://schemas.openxmlformats.org/officeDocument/2006/relationships" xmlns:p="http://schemas.openxmlformats.org/presentationml/2006/main">
+  <p:cSld>
+    <p:spTree>
+      <p:nvGrpSpPr>
+        <p:cNvPr id="1" name=""/>
+        <p:cNvGrpSpPr/>
+        <p:nvPr/>
+      </p:nvGrpSpPr>
+      <p:grpSpPr>
+        <a:xfrm>
+          <a:off x="0" y="0"/>
+          <a:ext cx="0" cy="0"/>
+          <a:chOff x="0" y="0"/>
+          <a:chExt cx="0" cy="0"/>
+        </a:xfrm>
+      </p:grpSpPr>
+      <p:sp>
+        <p:nvSpPr>
+          <p:cNvPr id="6" name="직사각형 5"/>
+          <p:cNvSpPr/>
+          <p:nvPr/>
+        </p:nvSpPr>
+        <p:spPr>
+          <a:xfrm>
+            <a:off x="3059832" y="2708920"/>
+            <a:ext cx="3024336" cy="1584176"/>
+          </a:xfrm>
+          <a:prstGeom prst="rect">
+            <a:avLst/>
+          </a:prstGeom>
+          <a:solidFill>
+            <a:srgbClr val="155731"/>
+          </a:solidFill>
+          <a:ln>
+            <a:noFill/>
+          </a:ln>
+        </p:spPr>
+        <p:style>
+          <a:lnRef idx="2">
+            <a:schemeClr val="accent1">
+              <a:shade val="50000"/>
+            </a:schemeClr>
+          </a:lnRef>
+          <a:fillRef idx="1">
+            <a:schemeClr val="accent1"/>
+          </a:fillRef>
+          <a:effectRef idx="0">
+            <a:schemeClr val="accent1"/>
+          </a:effectRef>
+          <a:fontRef idx="minor">
+            <a:schemeClr val="lt1"/>
+          </a:fontRef>
+        </p:style>
+        <p:txBody>
+          <a:bodyPr rtlCol="0" anchor="ctr"/>
+          <a:lstStyle/>
+          <a:p>
+            <a:pPr algn="ctr"/>
+            <a:endParaRPr lang="ko-KR" altLang="en-US"/>
+          </a:p>
+        </p:txBody>
+      </p:sp>
+      <p:sp>
+        <p:nvSpPr>
+          <p:cNvPr id="5" name="TextBox 4"/>
+          <p:cNvSpPr txBox="1"/>
+          <p:nvPr/>
+        </p:nvSpPr>
+        <p:spPr>
+          <a:xfrm>
+            <a:off x="3059832" y="2774538"/>
+            <a:ext cx="3005951" cy="1446550"/>
+          </a:xfrm>
+          <a:prstGeom prst="rect">
+            <a:avLst/>
+          </a:prstGeom>
+          <a:noFill/>
+        </p:spPr>
+        <p:txBody>
+          <a:bodyPr wrap="none" rtlCol="0">
+            <a:spAutoFit/>
+          </a:bodyPr>
+          <a:lstStyle/>
+          <a:p>
+            <a:pPr algn="ctr"/>
+            <a:r>
+              <a:rPr lang="en-US" altLang="ko-KR" sz="4400" b="1" dirty="0" smtClean="0">
+                <a:solidFill>
+                  <a:schemeClr val="bg1"/>
+                </a:solidFill>
+              </a:rPr>
+              <a:t>END</a:t>
+            </a:r>
+          </a:p>
+          <a:p>
+            <a:pPr algn="ctr"/>
+            <a:r>
+              <a:rPr lang="ko-KR" altLang="en-US" sz="4400" b="1" dirty="0" smtClean="0">
+                <a:solidFill>
+                  <a:schemeClr val="bg1"/>
+                </a:solidFill>
+              </a:rPr>
+              <a:t>감사합니다</a:t>
+            </a:r>
+            <a:endParaRPr lang="ko-KR" altLang="en-US" sz="4400" b="1" dirty="0">
+              <a:solidFill>
+                <a:schemeClr val="bg1"/>
+              </a:solidFill>
+            </a:endParaRPr>
+          </a:p>
+        </p:txBody>
+      </p:sp>
+    </p:spTree>
+    <p:extLst>
+      <p:ext uri="{BB962C8B-B14F-4D97-AF65-F5344CB8AC3E}">
+        <p14:creationId xmlns:p14="http://schemas.microsoft.com/office/powerpoint/2010/main" xmlns="" val="4111508987"/>
       </p:ext>
     </p:extLst>
   </p:cSld>
@@ -3873,7 +4974,7 @@
             <a:avLst/>
           </a:prstGeom>
           <a:solidFill>
-            <a:schemeClr val="bg2"/>
+            <a:srgbClr val="155731"/>
           </a:solidFill>
           <a:ln>
             <a:noFill/>
@@ -3901,8 +5002,8 @@
           <a:p>
             <a:pPr algn="ctr"/>
             <a:r>
-              <a:rPr lang="ko-KR" altLang="en-US" sz="7200" b="1" dirty="0" smtClean="0"/>
-              <a:t>목차</a:t>
+              <a:rPr lang="en-US" altLang="ko-KR" sz="7200" b="1" dirty="0" smtClean="0"/>
+              <a:t>Content</a:t>
             </a:r>
             <a:endParaRPr lang="ko-KR" altLang="en-US" sz="7200" b="1" dirty="0"/>
           </a:p>
@@ -3917,7 +5018,7 @@
         <p:spPr>
           <a:xfrm>
             <a:off x="5443602" y="3923764"/>
-            <a:ext cx="2202847" cy="369332"/>
+            <a:ext cx="2157963" cy="369332"/>
           </a:xfrm>
           <a:prstGeom prst="rect">
             <a:avLst/>
@@ -3935,8 +5036,8 @@
                 <a:solidFill>
                   <a:srgbClr val="434343"/>
                 </a:solidFill>
-                <a:latin typeface="휴먼고딕" pitchFamily="2" charset="-127"/>
-                <a:ea typeface="휴먼고딕" pitchFamily="2" charset="-127"/>
+                <a:latin typeface="+mj-ea"/>
+                <a:ea typeface="+mj-ea"/>
               </a:rPr>
               <a:t>2</a:t>
             </a:r>
@@ -3945,8 +5046,8 @@
                 <a:solidFill>
                   <a:srgbClr val="434343"/>
                 </a:solidFill>
-                <a:latin typeface="휴먼고딕" pitchFamily="2" charset="-127"/>
-                <a:ea typeface="휴먼고딕" pitchFamily="2" charset="-127"/>
+                <a:latin typeface="+mj-ea"/>
+                <a:ea typeface="+mj-ea"/>
               </a:rPr>
               <a:t>. </a:t>
             </a:r>
@@ -3955,8 +5056,8 @@
                 <a:solidFill>
                   <a:srgbClr val="434343"/>
                 </a:solidFill>
-                <a:latin typeface="휴먼고딕" pitchFamily="2" charset="-127"/>
-                <a:ea typeface="휴먼고딕" pitchFamily="2" charset="-127"/>
+                <a:latin typeface="+mj-ea"/>
+                <a:ea typeface="+mj-ea"/>
               </a:rPr>
               <a:t>아이디어 스케치</a:t>
             </a:r>
@@ -3964,8 +5065,8 @@
               <a:solidFill>
                 <a:srgbClr val="434343"/>
               </a:solidFill>
-              <a:latin typeface="휴먼고딕" pitchFamily="2" charset="-127"/>
-              <a:ea typeface="휴먼고딕" pitchFamily="2" charset="-127"/>
+              <a:latin typeface="+mj-ea"/>
+              <a:ea typeface="+mj-ea"/>
             </a:endParaRPr>
           </a:p>
         </p:txBody>
@@ -3979,7 +5080,7 @@
         <p:spPr>
           <a:xfrm>
             <a:off x="5443602" y="4437112"/>
-            <a:ext cx="1625766" cy="369332"/>
+            <a:ext cx="1614545" cy="369332"/>
           </a:xfrm>
           <a:prstGeom prst="rect">
             <a:avLst/>
@@ -3997,8 +5098,8 @@
                 <a:solidFill>
                   <a:srgbClr val="434343"/>
                 </a:solidFill>
-                <a:latin typeface="휴먼고딕" pitchFamily="2" charset="-127"/>
-                <a:ea typeface="휴먼고딕" pitchFamily="2" charset="-127"/>
+                <a:latin typeface="+mj-ea"/>
+                <a:ea typeface="+mj-ea"/>
               </a:rPr>
               <a:t>3. </a:t>
             </a:r>
@@ -4007,8 +5108,8 @@
                 <a:solidFill>
                   <a:srgbClr val="434343"/>
                 </a:solidFill>
-                <a:latin typeface="휴먼고딕" pitchFamily="2" charset="-127"/>
-                <a:ea typeface="휴먼고딕" pitchFamily="2" charset="-127"/>
+                <a:latin typeface="+mj-ea"/>
+                <a:ea typeface="+mj-ea"/>
               </a:rPr>
               <a:t>프로토타입</a:t>
             </a:r>
@@ -4016,8 +5117,8 @@
               <a:solidFill>
                 <a:srgbClr val="434343"/>
               </a:solidFill>
-              <a:latin typeface="휴먼고딕" pitchFamily="2" charset="-127"/>
-              <a:ea typeface="휴먼고딕" pitchFamily="2" charset="-127"/>
+              <a:latin typeface="+mj-ea"/>
+              <a:ea typeface="+mj-ea"/>
             </a:endParaRPr>
           </a:p>
         </p:txBody>
@@ -4362,10 +5463,72 @@
           </a:fontRef>
         </p:style>
       </p:cxnSp>
+      <p:sp>
+        <p:nvSpPr>
+          <p:cNvPr id="19" name="TextBox 18"/>
+          <p:cNvSpPr txBox="1"/>
+          <p:nvPr/>
+        </p:nvSpPr>
+        <p:spPr>
+          <a:xfrm>
+            <a:off x="5443602" y="1412776"/>
+            <a:ext cx="1696298" cy="369332"/>
+          </a:xfrm>
+          <a:prstGeom prst="rect">
+            <a:avLst/>
+          </a:prstGeom>
+          <a:noFill/>
+        </p:spPr>
+        <p:txBody>
+          <a:bodyPr wrap="none" rtlCol="0">
+            <a:spAutoFit/>
+          </a:bodyPr>
+          <a:lstStyle/>
+          <a:p>
+            <a:r>
+              <a:rPr lang="en-US" altLang="ko-KR" b="1" dirty="0">
+                <a:solidFill>
+                  <a:srgbClr val="434343"/>
+                </a:solidFill>
+                <a:latin typeface="+mj-ea"/>
+                <a:ea typeface="+mj-ea"/>
+              </a:rPr>
+              <a:t>1</a:t>
+            </a:r>
+            <a:r>
+              <a:rPr lang="en-US" altLang="ko-KR" b="1" dirty="0" smtClean="0">
+                <a:solidFill>
+                  <a:srgbClr val="434343"/>
+                </a:solidFill>
+                <a:latin typeface="+mj-ea"/>
+                <a:ea typeface="+mj-ea"/>
+              </a:rPr>
+              <a:t>. </a:t>
+            </a:r>
+            <a:r>
+              <a:rPr lang="ko-KR" altLang="en-US" b="1" dirty="0" smtClean="0">
+                <a:solidFill>
+                  <a:srgbClr val="434343"/>
+                </a:solidFill>
+                <a:latin typeface="+mj-ea"/>
+                <a:ea typeface="+mj-ea"/>
+              </a:rPr>
+              <a:t>사이트분석 </a:t>
+            </a:r>
+            <a:endParaRPr lang="ko-KR" altLang="en-US" b="1" dirty="0">
+              <a:solidFill>
+                <a:srgbClr val="434343"/>
+              </a:solidFill>
+              <a:latin typeface="+mj-ea"/>
+              <a:ea typeface="+mj-ea"/>
+            </a:endParaRPr>
+          </a:p>
+        </p:txBody>
+      </p:sp>
     </p:spTree>
     <p:extLst>
       <p:ext uri="{BB962C8B-B14F-4D97-AF65-F5344CB8AC3E}">
-        <p14:creationId xmlns:p14="http://schemas.microsoft.com/office/powerpoint/2010/main" val="526227410"/>
+        <p14:creationId xmlns:p14="http://schemas.microsoft.com/office/powerpoint/2010/main" xmlns="" val="526227410"/>
       </p:ext>
     </p:extLst>
   </p:cSld>
@@ -4855,7 +6018,23 @@
                   <a:srgbClr val="434343"/>
                 </a:solidFill>
               </a:rPr>
-              <a:t>       #f8faf0 </a:t>
+              <a:t>       </a:t>
+            </a:r>
+            <a:r>
+              <a:rPr lang="en-US" altLang="ko-KR" sz="1100" dirty="0" smtClean="0">
+                <a:solidFill>
+                  <a:srgbClr val="434343"/>
+                </a:solidFill>
+              </a:rPr>
+              <a:t> #</a:t>
+            </a:r>
+            <a:r>
+              <a:rPr lang="en-US" altLang="ko-KR" sz="1100" dirty="0" smtClean="0">
+                <a:solidFill>
+                  <a:srgbClr val="434343"/>
+                </a:solidFill>
+              </a:rPr>
+              <a:t>f8faf0 </a:t>
             </a:r>
             <a:r>
               <a:rPr lang="ko-KR" altLang="en-US" sz="1100" dirty="0" smtClean="0">
@@ -4891,7 +6070,23 @@
                   <a:srgbClr val="434343"/>
                 </a:solidFill>
               </a:rPr>
-              <a:t>       #2c1810 </a:t>
+              <a:t>       </a:t>
+            </a:r>
+            <a:r>
+              <a:rPr lang="en-US" altLang="ko-KR" sz="1100" dirty="0" smtClean="0">
+                <a:solidFill>
+                  <a:srgbClr val="434343"/>
+                </a:solidFill>
+              </a:rPr>
+              <a:t> #</a:t>
+            </a:r>
+            <a:r>
+              <a:rPr lang="en-US" altLang="ko-KR" sz="1100" dirty="0" smtClean="0">
+                <a:solidFill>
+                  <a:srgbClr val="434343"/>
+                </a:solidFill>
+              </a:rPr>
+              <a:t>2c1810 </a:t>
             </a:r>
             <a:r>
               <a:rPr lang="ko-KR" altLang="en-US" sz="1100" dirty="0" smtClean="0">
@@ -5008,8 +6203,8 @@
                 <a:solidFill>
                   <a:srgbClr val="165704"/>
                 </a:solidFill>
-                <a:latin typeface="휴먼고딕" pitchFamily="2" charset="-127"/>
-                <a:ea typeface="문체부 제목 돋음체" pitchFamily="49" charset="-127"/>
+                <a:latin typeface="+mj-ea"/>
+                <a:ea typeface="+mj-ea"/>
               </a:rPr>
               <a:t>사이트분석</a:t>
             </a:r>
@@ -5017,8 +6212,8 @@
               <a:solidFill>
                 <a:srgbClr val="165704"/>
               </a:solidFill>
-              <a:latin typeface="휴먼고딕" pitchFamily="2" charset="-127"/>
-              <a:ea typeface="문체부 제목 돋음체" pitchFamily="49" charset="-127"/>
+              <a:latin typeface="+mj-ea"/>
+              <a:ea typeface="+mj-ea"/>
             </a:endParaRPr>
           </a:p>
         </p:txBody>
@@ -5072,7 +6267,7 @@
           <a:blip r:embed="rId2" cstate="print">
             <a:extLst>
               <a:ext uri="{28A0092B-C50C-407E-A947-70E740481C1C}">
-                <a14:useLocalDpi xmlns:a14="http://schemas.microsoft.com/office/drawing/2010/main" val="0"/>
+                <a14:useLocalDpi xmlns:a14="http://schemas.microsoft.com/office/drawing/2010/main" xmlns="" val="0"/>
               </a:ext>
             </a:extLst>
           </a:blip>
@@ -5092,7 +6287,7 @@
           <a:noFill/>
           <a:extLst>
             <a:ext uri="{909E8E84-426E-40DD-AFC4-6F175D3DCCD1}">
-              <a14:hiddenFill xmlns:a14="http://schemas.microsoft.com/office/drawing/2010/main">
+              <a14:hiddenFill xmlns:a14="http://schemas.microsoft.com/office/drawing/2010/main" xmlns="">
                 <a:solidFill>
                   <a:srgbClr val="FFFFFF"/>
                 </a:solidFill>
@@ -5182,10 +6377,10 @@
           <p:nvPr/>
         </p:nvPicPr>
         <p:blipFill>
-          <a:blip r:embed="rId3">
+          <a:blip r:embed="rId3" cstate="print">
             <a:extLst>
               <a:ext uri="{28A0092B-C50C-407E-A947-70E740481C1C}">
-                <a14:useLocalDpi xmlns:a14="http://schemas.microsoft.com/office/drawing/2010/main" val="0"/>
+                <a14:useLocalDpi xmlns:a14="http://schemas.microsoft.com/office/drawing/2010/main" xmlns="" val="0"/>
               </a:ext>
             </a:extLst>
           </a:blip>
@@ -5212,7 +6407,7 @@
           </a:effectLst>
           <a:extLst>
             <a:ext uri="{909E8E84-426E-40DD-AFC4-6F175D3DCCD1}">
-              <a14:hiddenFill xmlns:a14="http://schemas.microsoft.com/office/drawing/2010/main">
+              <a14:hiddenFill xmlns:a14="http://schemas.microsoft.com/office/drawing/2010/main" xmlns="">
                 <a:solidFill>
                   <a:srgbClr val="FFFFFF"/>
                 </a:solidFill>
@@ -5230,10 +6425,10 @@
           <p:nvPr/>
         </p:nvPicPr>
         <p:blipFill>
-          <a:blip r:embed="rId4">
+          <a:blip r:embed="rId4" cstate="print">
             <a:extLst>
               <a:ext uri="{28A0092B-C50C-407E-A947-70E740481C1C}">
-                <a14:useLocalDpi xmlns:a14="http://schemas.microsoft.com/office/drawing/2010/main" val="0"/>
+                <a14:useLocalDpi xmlns:a14="http://schemas.microsoft.com/office/drawing/2010/main" xmlns="" val="0"/>
               </a:ext>
             </a:extLst>
           </a:blip>
@@ -5260,7 +6455,7 @@
           </a:effectLst>
           <a:extLst>
             <a:ext uri="{909E8E84-426E-40DD-AFC4-6F175D3DCCD1}">
-              <a14:hiddenFill xmlns:a14="http://schemas.microsoft.com/office/drawing/2010/main">
+              <a14:hiddenFill xmlns:a14="http://schemas.microsoft.com/office/drawing/2010/main" xmlns="">
                 <a:solidFill>
                   <a:srgbClr val="FFFFFF"/>
                 </a:solidFill>
@@ -5278,10 +6473,10 @@
           <p:nvPr/>
         </p:nvPicPr>
         <p:blipFill>
-          <a:blip r:embed="rId5">
+          <a:blip r:embed="rId5" cstate="print">
             <a:extLst>
               <a:ext uri="{28A0092B-C50C-407E-A947-70E740481C1C}">
-                <a14:useLocalDpi xmlns:a14="http://schemas.microsoft.com/office/drawing/2010/main" val="0"/>
+                <a14:useLocalDpi xmlns:a14="http://schemas.microsoft.com/office/drawing/2010/main" xmlns="" val="0"/>
               </a:ext>
             </a:extLst>
           </a:blip>
@@ -5308,7 +6503,7 @@
           </a:effectLst>
           <a:extLst>
             <a:ext uri="{909E8E84-426E-40DD-AFC4-6F175D3DCCD1}">
-              <a14:hiddenFill xmlns:a14="http://schemas.microsoft.com/office/drawing/2010/main">
+              <a14:hiddenFill xmlns:a14="http://schemas.microsoft.com/office/drawing/2010/main" xmlns="">
                 <a:solidFill>
                   <a:srgbClr val="FFFFFF"/>
                 </a:solidFill>
@@ -5378,7 +6573,7 @@
     </p:spTree>
     <p:extLst>
       <p:ext uri="{BB962C8B-B14F-4D97-AF65-F5344CB8AC3E}">
-        <p14:creationId xmlns:p14="http://schemas.microsoft.com/office/powerpoint/2010/main" val="2978285530"/>
+        <p14:creationId xmlns:p14="http://schemas.microsoft.com/office/powerpoint/2010/main" xmlns="" val="2978285530"/>
       </p:ext>
     </p:extLst>
   </p:cSld>
@@ -5563,8 +6758,8 @@
                 <a:solidFill>
                   <a:srgbClr val="165704"/>
                 </a:solidFill>
-                <a:latin typeface="휴먼고딕" pitchFamily="2" charset="-127"/>
-                <a:ea typeface="문체부 제목 돋음체" pitchFamily="49" charset="-127"/>
+                <a:latin typeface="+mj-ea"/>
+                <a:ea typeface="+mj-ea"/>
               </a:rPr>
               <a:t>카테고리</a:t>
             </a:r>
@@ -5572,8 +6767,8 @@
               <a:solidFill>
                 <a:srgbClr val="165704"/>
               </a:solidFill>
-              <a:latin typeface="휴먼고딕" pitchFamily="2" charset="-127"/>
-              <a:ea typeface="문체부 제목 돋음체" pitchFamily="49" charset="-127"/>
+              <a:latin typeface="+mj-ea"/>
+              <a:ea typeface="+mj-ea"/>
             </a:endParaRPr>
           </a:p>
         </p:txBody>
@@ -8639,7 +9834,7 @@
     </p:spTree>
     <p:extLst>
       <p:ext uri="{BB962C8B-B14F-4D97-AF65-F5344CB8AC3E}">
-        <p14:creationId xmlns:p14="http://schemas.microsoft.com/office/powerpoint/2010/main" val="2758149810"/>
+        <p14:creationId xmlns:p14="http://schemas.microsoft.com/office/powerpoint/2010/main" xmlns="" val="2758149810"/>
       </p:ext>
     </p:extLst>
   </p:cSld>
@@ -8941,7 +10136,7 @@
         <p:spPr>
           <a:xfrm>
             <a:off x="179512" y="654328"/>
-            <a:ext cx="3129383" cy="400110"/>
+            <a:ext cx="3060453" cy="400110"/>
           </a:xfrm>
           <a:prstGeom prst="rect">
             <a:avLst/>
@@ -8959,8 +10154,8 @@
                 <a:solidFill>
                   <a:srgbClr val="165704"/>
                 </a:solidFill>
-                <a:latin typeface="휴먼고딕" pitchFamily="2" charset="-127"/>
-                <a:ea typeface="문체부 제목 돋음체" pitchFamily="49" charset="-127"/>
+                <a:latin typeface="+mj-ea"/>
+                <a:ea typeface="+mj-ea"/>
               </a:rPr>
               <a:t>아이디어발상 </a:t>
             </a:r>
@@ -8969,8 +10164,8 @@
                 <a:solidFill>
                   <a:srgbClr val="165704"/>
                 </a:solidFill>
-                <a:latin typeface="휴먼고딕" pitchFamily="2" charset="-127"/>
-                <a:ea typeface="문체부 제목 돋음체" pitchFamily="49" charset="-127"/>
+                <a:latin typeface="+mj-ea"/>
+                <a:ea typeface="+mj-ea"/>
               </a:rPr>
               <a:t>– </a:t>
             </a:r>
@@ -8979,8 +10174,8 @@
                 <a:solidFill>
                   <a:srgbClr val="165704"/>
                 </a:solidFill>
-                <a:latin typeface="휴먼고딕" pitchFamily="2" charset="-127"/>
-                <a:ea typeface="문체부 제목 돋음체" pitchFamily="49" charset="-127"/>
+                <a:latin typeface="+mj-ea"/>
+                <a:ea typeface="+mj-ea"/>
               </a:rPr>
               <a:t>마인드맵</a:t>
             </a:r>
@@ -8988,8 +10183,8 @@
               <a:solidFill>
                 <a:srgbClr val="165704"/>
               </a:solidFill>
-              <a:latin typeface="휴먼고딕" pitchFamily="2" charset="-127"/>
-              <a:ea typeface="문체부 제목 돋음체" pitchFamily="49" charset="-127"/>
+              <a:latin typeface="+mj-ea"/>
+              <a:ea typeface="+mj-ea"/>
             </a:endParaRPr>
           </a:p>
         </p:txBody>
@@ -9084,6 +10279,32 @@
           </a:p>
         </p:txBody>
       </p:sp>
+      <p:pic>
+        <p:nvPicPr>
+          <p:cNvPr id="2051" name="Picture 3" descr="C:\Users\전혜빈\Desktop\3.JPG"/>
+          <p:cNvPicPr>
+            <a:picLocks noChangeAspect="1" noChangeArrowheads="1"/>
+          </p:cNvPicPr>
+          <p:nvPr/>
+        </p:nvPicPr>
+        <p:blipFill>
+          <a:blip r:embed="rId2" cstate="print"/>
+          <a:srcRect/>
+          <a:stretch>
+            <a:fillRect/>
+          </a:stretch>
+        </p:blipFill>
+        <p:spPr bwMode="auto">
+          <a:xfrm>
+            <a:off x="4427984" y="0"/>
+            <a:ext cx="4900612" cy="6858000"/>
+          </a:xfrm>
+          <a:prstGeom prst="rect">
+            <a:avLst/>
+          </a:prstGeom>
+          <a:noFill/>
+        </p:spPr>
+      </p:pic>
       <p:sp>
         <p:nvSpPr>
           <p:cNvPr id="13" name="오각형 12"/>
@@ -9145,7 +10366,7 @@
     </p:spTree>
     <p:extLst>
       <p:ext uri="{BB962C8B-B14F-4D97-AF65-F5344CB8AC3E}">
-        <p14:creationId xmlns:p14="http://schemas.microsoft.com/office/powerpoint/2010/main" val="2247137070"/>
+        <p14:creationId xmlns:p14="http://schemas.microsoft.com/office/powerpoint/2010/main" xmlns="" val="2247137070"/>
       </p:ext>
     </p:extLst>
   </p:cSld>
@@ -9181,22 +10402,20 @@
       </p:grpSpPr>
       <p:sp>
         <p:nvSpPr>
-          <p:cNvPr id="3" name="직사각형 2"/>
+          <p:cNvPr id="21" name="직사각형 20"/>
           <p:cNvSpPr/>
           <p:nvPr/>
         </p:nvSpPr>
         <p:spPr>
           <a:xfrm>
-            <a:off x="251520" y="3032956"/>
-            <a:ext cx="4072861" cy="1682316"/>
+            <a:off x="6084168" y="5373216"/>
+            <a:ext cx="2088232" cy="216024"/>
           </a:xfrm>
           <a:prstGeom prst="rect">
             <a:avLst/>
           </a:prstGeom>
           <a:solidFill>
-            <a:schemeClr val="bg1">
-              <a:lumMod val="95000"/>
-            </a:schemeClr>
+            <a:srgbClr val="EBFC10"/>
           </a:solidFill>
           <a:ln>
             <a:noFill/>
@@ -9235,7 +10454,7 @@
         </p:nvSpPr>
         <p:spPr>
           <a:xfrm>
-            <a:off x="5004048" y="1556792"/>
+            <a:off x="395536" y="764704"/>
             <a:ext cx="3744416" cy="3096344"/>
           </a:xfrm>
           <a:prstGeom prst="rect">
@@ -9287,8 +10506,8 @@
         </p:nvSpPr>
         <p:spPr>
           <a:xfrm>
-            <a:off x="179512" y="1248142"/>
-            <a:ext cx="4144869" cy="1892826"/>
+            <a:off x="323528" y="4077072"/>
+            <a:ext cx="4144869" cy="2215991"/>
           </a:xfrm>
           <a:prstGeom prst="rect">
             <a:avLst/>
@@ -9343,15 +10562,7 @@
                   <a:srgbClr val="165704"/>
                 </a:solidFill>
               </a:rPr>
-              <a:t>성별 </a:t>
-            </a:r>
-            <a:r>
-              <a:rPr lang="ko-KR" altLang="en-US" sz="1400" b="1" dirty="0" smtClean="0">
-                <a:solidFill>
-                  <a:srgbClr val="165704"/>
-                </a:solidFill>
-              </a:rPr>
-              <a:t> </a:t>
+              <a:t>성별  </a:t>
             </a:r>
             <a:r>
               <a:rPr lang="ko-KR" altLang="en-US" sz="1100" dirty="0" smtClean="0">
@@ -9447,7 +10658,15 @@
                   <a:srgbClr val="434343"/>
                 </a:solidFill>
               </a:rPr>
-              <a:t>경기도 수원</a:t>
+              <a:t>경기도 </a:t>
+            </a:r>
+            <a:r>
+              <a:rPr lang="ko-KR" altLang="en-US" sz="1100" dirty="0" smtClean="0">
+                <a:solidFill>
+                  <a:srgbClr val="434343"/>
+                </a:solidFill>
+              </a:rPr>
+              <a:t>수원</a:t>
             </a:r>
             <a:endParaRPr lang="en-US" altLang="ko-KR" sz="1100" dirty="0" smtClean="0">
               <a:solidFill>
@@ -9467,20 +10686,40 @@
                   <a:srgbClr val="165704"/>
                 </a:solidFill>
               </a:rPr>
-              <a:t>시나리오</a:t>
-            </a:r>
-            <a:r>
-              <a:rPr lang="ko-KR" altLang="en-US" sz="1400" b="1" dirty="0">
-                <a:solidFill>
-                  <a:srgbClr val="165704"/>
-                </a:solidFill>
-              </a:rPr>
-              <a:t> </a:t>
-            </a:r>
-            <a:endParaRPr lang="en-US" altLang="ko-KR" sz="800" b="1" dirty="0">
+              <a:t>취미 </a:t>
+            </a:r>
+            <a:r>
+              <a:rPr lang="ko-KR" altLang="en-US" sz="1100" dirty="0" smtClean="0">
+                <a:solidFill>
+                  <a:srgbClr val="434343"/>
+                </a:solidFill>
+                <a:latin typeface="+mj-lt"/>
+              </a:rPr>
+              <a:t>맛집탐방</a:t>
+            </a:r>
+            <a:r>
+              <a:rPr lang="en-US" altLang="ko-KR" sz="1100" dirty="0" smtClean="0">
+                <a:solidFill>
+                  <a:srgbClr val="434343"/>
+                </a:solidFill>
+                <a:latin typeface="+mj-lt"/>
+              </a:rPr>
+              <a:t>, </a:t>
+            </a:r>
+            <a:r>
+              <a:rPr lang="ko-KR" altLang="en-US" sz="1100" dirty="0" smtClean="0">
+                <a:solidFill>
+                  <a:srgbClr val="434343"/>
+                </a:solidFill>
+                <a:latin typeface="+mj-lt"/>
+              </a:rPr>
+              <a:t>브런치먹기</a:t>
+            </a:r>
+            <a:endParaRPr lang="en-US" altLang="ko-KR" sz="1400" dirty="0" smtClean="0">
               <a:solidFill>
-                <a:srgbClr val="165704"/>
+                <a:srgbClr val="434343"/>
               </a:solidFill>
+              <a:latin typeface="+mj-lt"/>
             </a:endParaRPr>
           </a:p>
           <a:p>
@@ -9490,6 +10729,54 @@
               </a:lnSpc>
             </a:pPr>
             <a:r>
+              <a:rPr lang="ko-KR" altLang="en-US" sz="1400" b="1" dirty="0" smtClean="0">
+                <a:solidFill>
+                  <a:srgbClr val="165704"/>
+                </a:solidFill>
+              </a:rPr>
+              <a:t>특징 </a:t>
+            </a:r>
+            <a:r>
+              <a:rPr lang="ko-KR" altLang="en-US" sz="1100" dirty="0" smtClean="0">
+                <a:solidFill>
+                  <a:srgbClr val="434343"/>
+                </a:solidFill>
+                <a:latin typeface="+mj-lt"/>
+              </a:rPr>
+              <a:t>소화불량多</a:t>
+            </a:r>
+            <a:r>
+              <a:rPr lang="en-US" altLang="ko-KR" sz="1100" dirty="0" smtClean="0">
+                <a:solidFill>
+                  <a:srgbClr val="434343"/>
+                </a:solidFill>
+                <a:latin typeface="+mj-lt"/>
+              </a:rPr>
+              <a:t>, </a:t>
+            </a:r>
+            <a:r>
+              <a:rPr lang="ko-KR" altLang="en-US" sz="1100" dirty="0" smtClean="0">
+                <a:solidFill>
+                  <a:srgbClr val="434343"/>
+                </a:solidFill>
+                <a:latin typeface="+mj-lt"/>
+              </a:rPr>
+              <a:t>다이어트 관심多 </a:t>
+            </a:r>
+            <a:endParaRPr lang="en-US" altLang="ko-KR" sz="800" dirty="0">
+              <a:solidFill>
+                <a:srgbClr val="434343"/>
+              </a:solidFill>
+              <a:latin typeface="+mj-lt"/>
+            </a:endParaRPr>
+          </a:p>
+          <a:p>
+            <a:pPr>
+              <a:lnSpc>
+                <a:spcPct val="150000"/>
+              </a:lnSpc>
+            </a:pPr>
+            <a:r>
               <a:rPr lang="en-US" altLang="ko-KR" sz="800" b="1" dirty="0" smtClean="0">
                 <a:solidFill>
                   <a:srgbClr val="165704"/>
@@ -9513,7 +10800,7 @@
         </p:nvCxnSpPr>
         <p:spPr>
           <a:xfrm>
-            <a:off x="251520" y="1052736"/>
+            <a:off x="251520" y="587048"/>
             <a:ext cx="4032448" cy="0"/>
           </a:xfrm>
           <a:prstGeom prst="line">
@@ -9549,7 +10836,7 @@
         </p:nvCxnSpPr>
         <p:spPr>
           <a:xfrm>
-            <a:off x="251520" y="5445224"/>
+            <a:off x="4788024" y="4941168"/>
             <a:ext cx="4032448" cy="0"/>
           </a:xfrm>
           <a:prstGeom prst="line">
@@ -9585,8 +10872,8 @@
         </p:nvSpPr>
         <p:spPr>
           <a:xfrm>
-            <a:off x="179512" y="654328"/>
-            <a:ext cx="4025461" cy="400110"/>
+            <a:off x="179512" y="188640"/>
+            <a:ext cx="1813317" cy="400110"/>
           </a:xfrm>
           <a:prstGeom prst="rect">
             <a:avLst/>
@@ -9604,17 +10891,17 @@
                 <a:solidFill>
                   <a:srgbClr val="165704"/>
                 </a:solidFill>
-                <a:latin typeface="휴먼고딕" pitchFamily="2" charset="-127"/>
-                <a:ea typeface="문체부 제목 돋음체" pitchFamily="49" charset="-127"/>
-              </a:rPr>
-              <a:t>기존디자인 문제점 및 전략도출 </a:t>
+                <a:latin typeface="+mj-ea"/>
+                <a:ea typeface="+mj-ea"/>
+              </a:rPr>
+              <a:t>페르소나 분석</a:t>
             </a:r>
             <a:endParaRPr lang="ko-KR" altLang="en-US" sz="2000" b="1" dirty="0">
               <a:solidFill>
                 <a:srgbClr val="165704"/>
               </a:solidFill>
-              <a:latin typeface="휴먼고딕" pitchFamily="2" charset="-127"/>
-              <a:ea typeface="문체부 제목 돋음체" pitchFamily="49" charset="-127"/>
+              <a:latin typeface="+mj-ea"/>
+              <a:ea typeface="+mj-ea"/>
             </a:endParaRPr>
           </a:p>
         </p:txBody>
@@ -9664,8 +10951,8 @@
         </p:nvSpPr>
         <p:spPr>
           <a:xfrm>
-            <a:off x="6323612" y="4679558"/>
-            <a:ext cx="1056700" cy="215444"/>
+            <a:off x="3360445" y="3861048"/>
+            <a:ext cx="851515" cy="215444"/>
           </a:xfrm>
           <a:prstGeom prst="rect">
             <a:avLst/>
@@ -9680,24 +10967,14 @@
           <a:p>
             <a:pPr algn="ctr"/>
             <a:r>
-              <a:rPr lang="ko-KR" altLang="en-US" sz="800" smtClean="0">
+              <a:rPr lang="ko-KR" altLang="en-US" sz="800" dirty="0" smtClean="0">
                 <a:solidFill>
                   <a:srgbClr val="165704"/>
                 </a:solidFill>
                 <a:latin typeface="돋움체" pitchFamily="49" charset="-127"/>
                 <a:ea typeface="돋움체" pitchFamily="49" charset="-127"/>
               </a:rPr>
-              <a:t>써브웨이 </a:t>
-            </a:r>
-            <a:r>
-              <a:rPr lang="ko-KR" altLang="en-US" sz="800" dirty="0" smtClean="0">
-                <a:solidFill>
-                  <a:srgbClr val="165704"/>
-                </a:solidFill>
-                <a:latin typeface="돋움체" pitchFamily="49" charset="-127"/>
-                <a:ea typeface="돋움체" pitchFamily="49" charset="-127"/>
-              </a:rPr>
-              <a:t>마인드맵</a:t>
+              <a:t>김하영씨 사진</a:t>
             </a:r>
             <a:endParaRPr lang="ko-KR" altLang="en-US" sz="800" dirty="0">
               <a:solidFill>
@@ -9767,16 +11044,242 @@
           </a:p>
         </p:txBody>
       </p:sp>
-      <p:sp>
-        <p:nvSpPr>
-          <p:cNvPr id="12" name="TextBox 11"/>
+      <p:grpSp>
+        <p:nvGrpSpPr>
+          <p:cNvPr id="17" name="그룹 16"/>
+          <p:cNvGrpSpPr/>
+          <p:nvPr/>
+        </p:nvGrpSpPr>
+        <p:grpSpPr>
+          <a:xfrm>
+            <a:off x="5004048" y="1772816"/>
+            <a:ext cx="3600400" cy="2654712"/>
+            <a:chOff x="4752216" y="3032956"/>
+            <a:chExt cx="3370199" cy="1887059"/>
+          </a:xfrm>
+        </p:grpSpPr>
+        <p:sp>
+          <p:nvSpPr>
+            <p:cNvPr id="3" name="직사각형 2"/>
+            <p:cNvSpPr/>
+            <p:nvPr/>
+          </p:nvSpPr>
+          <p:spPr>
+            <a:xfrm>
+              <a:off x="4752216" y="3032956"/>
+              <a:ext cx="3370199" cy="1887059"/>
+            </a:xfrm>
+            <a:prstGeom prst="rect">
+              <a:avLst/>
+            </a:prstGeom>
+            <a:solidFill>
+              <a:schemeClr val="bg1">
+                <a:lumMod val="95000"/>
+              </a:schemeClr>
+            </a:solidFill>
+            <a:ln>
+              <a:noFill/>
+            </a:ln>
+          </p:spPr>
+          <p:style>
+            <a:lnRef idx="2">
+              <a:schemeClr val="accent1">
+                <a:shade val="50000"/>
+              </a:schemeClr>
+            </a:lnRef>
+            <a:fillRef idx="1">
+              <a:schemeClr val="accent1"/>
+            </a:fillRef>
+            <a:effectRef idx="0">
+              <a:schemeClr val="accent1"/>
+            </a:effectRef>
+            <a:fontRef idx="minor">
+              <a:schemeClr val="lt1"/>
+            </a:fontRef>
+          </p:style>
+          <p:txBody>
+            <a:bodyPr rtlCol="0" anchor="ctr"/>
+            <a:lstStyle/>
+            <a:p>
+              <a:pPr algn="ctr"/>
+              <a:endParaRPr lang="ko-KR" altLang="en-US"/>
+            </a:p>
+          </p:txBody>
+        </p:sp>
+        <p:sp>
+          <p:nvSpPr>
+            <p:cNvPr id="12" name="TextBox 11"/>
+            <p:cNvSpPr txBox="1"/>
+            <p:nvPr/>
+          </p:nvSpPr>
+          <p:spPr>
+            <a:xfrm>
+              <a:off x="4819619" y="3251314"/>
+              <a:ext cx="3167987" cy="1629895"/>
+            </a:xfrm>
+            <a:prstGeom prst="rect">
+              <a:avLst/>
+            </a:prstGeom>
+            <a:noFill/>
+          </p:spPr>
+          <p:txBody>
+            <a:bodyPr wrap="square" rtlCol="0" anchor="ctr">
+              <a:spAutoFit/>
+            </a:bodyPr>
+            <a:lstStyle/>
+            <a:p>
+              <a:pPr algn="just"/>
+              <a:r>
+                <a:rPr lang="ko-KR" altLang="en-US" sz="1100" dirty="0" smtClean="0"/>
+                <a:t>   오후 </a:t>
+              </a:r>
+              <a:r>
+                <a:rPr lang="en-US" altLang="ko-KR" sz="1100" dirty="0"/>
+                <a:t>5</a:t>
+              </a:r>
+              <a:r>
+                <a:rPr lang="ko-KR" altLang="en-US" sz="1100" dirty="0"/>
+                <a:t>시에 학원을 끝내고 아르바이트를 하러 가기 전</a:t>
+              </a:r>
+              <a:r>
+                <a:rPr lang="en-US" altLang="ko-KR" sz="1100" dirty="0"/>
+                <a:t>, </a:t>
+              </a:r>
+              <a:r>
+                <a:rPr lang="ko-KR" altLang="en-US" sz="1100" dirty="0"/>
+                <a:t>하영씨는 간단하게 한 끼를 먹으러 가기로 했다</a:t>
+              </a:r>
+              <a:r>
+                <a:rPr lang="en-US" altLang="ko-KR" sz="1100" dirty="0"/>
+                <a:t>. </a:t>
+              </a:r>
+              <a:r>
+                <a:rPr lang="ko-KR" altLang="en-US" sz="1100" dirty="0"/>
+                <a:t>최근에 너무 패스트푸드를 많이 먹었던 탓인지 건강이 </a:t>
+              </a:r>
+              <a:r>
+                <a:rPr lang="ko-KR" altLang="en-US" sz="1100" dirty="0" err="1"/>
+                <a:t>안좋아진걸</a:t>
+              </a:r>
+              <a:r>
+                <a:rPr lang="ko-KR" altLang="en-US" sz="1100" dirty="0"/>
+                <a:t> 느낀 하영씨는 간단하면서 맛있고 건강한 </a:t>
+              </a:r>
+              <a:r>
+                <a:rPr lang="ko-KR" altLang="en-US" sz="1100" dirty="0" err="1"/>
+                <a:t>서브웨이</a:t>
+              </a:r>
+              <a:r>
+                <a:rPr lang="ko-KR" altLang="en-US" sz="1100" dirty="0"/>
+                <a:t> 샌드위치를 먹기로 했다</a:t>
+              </a:r>
+              <a:r>
+                <a:rPr lang="en-US" altLang="ko-KR" sz="1100" dirty="0"/>
+                <a:t>. </a:t>
+              </a:r>
+              <a:r>
+                <a:rPr lang="ko-KR" altLang="en-US" sz="1100" dirty="0"/>
+                <a:t>그런데 </a:t>
+              </a:r>
+              <a:r>
+                <a:rPr lang="ko-KR" altLang="en-US" sz="1100" dirty="0" err="1"/>
+                <a:t>서브웨이는</a:t>
+              </a:r>
+              <a:r>
+                <a:rPr lang="ko-KR" altLang="en-US" sz="1100" dirty="0"/>
+                <a:t> 메뉴가 너무 복잡하다는 생각이 들어서 하영씨는 </a:t>
+              </a:r>
+              <a:r>
+                <a:rPr lang="ko-KR" altLang="en-US" sz="1100" dirty="0" err="1"/>
+                <a:t>서브웨이</a:t>
+              </a:r>
+              <a:r>
+                <a:rPr lang="ko-KR" altLang="en-US" sz="1100" dirty="0"/>
+                <a:t> 홈페이지에 들어가 미리 메뉴를 보기로 했다</a:t>
+              </a:r>
+              <a:r>
+                <a:rPr lang="en-US" altLang="ko-KR" sz="1100" dirty="0"/>
+                <a:t>. </a:t>
+              </a:r>
+              <a:r>
+                <a:rPr lang="ko-KR" altLang="en-US" sz="1100" dirty="0"/>
+                <a:t>그런데 </a:t>
+              </a:r>
+              <a:r>
+                <a:rPr lang="ko-KR" altLang="en-US" sz="1100" dirty="0" err="1"/>
+                <a:t>가독성이</a:t>
+              </a:r>
+              <a:r>
+                <a:rPr lang="ko-KR" altLang="en-US" sz="1100" dirty="0"/>
+                <a:t> 떨어지는 메인 홈페이지 탓에 하영씨는 메뉴가 </a:t>
+              </a:r>
+              <a:r>
+                <a:rPr lang="ko-KR" altLang="en-US" sz="1100" dirty="0" err="1"/>
+                <a:t>어디있는지</a:t>
+              </a:r>
+              <a:r>
+                <a:rPr lang="ko-KR" altLang="en-US" sz="1100" dirty="0"/>
+                <a:t> 찾기 어려웠고</a:t>
+              </a:r>
+              <a:r>
+                <a:rPr lang="en-US" altLang="ko-KR" sz="1100" dirty="0"/>
+                <a:t>, </a:t>
+              </a:r>
+              <a:r>
+                <a:rPr lang="ko-KR" altLang="en-US" sz="1100" dirty="0"/>
+                <a:t>어떤 할인행사를 하고 있는지 단박에 알 수 없었다</a:t>
+              </a:r>
+              <a:r>
+                <a:rPr lang="en-US" altLang="ko-KR" sz="1100" dirty="0"/>
+                <a:t>. </a:t>
+              </a:r>
+              <a:r>
+                <a:rPr lang="ko-KR" altLang="en-US" sz="1100" dirty="0"/>
+                <a:t>결국</a:t>
+              </a:r>
+              <a:r>
+                <a:rPr lang="en-US" altLang="ko-KR" sz="1100" dirty="0"/>
+                <a:t>, </a:t>
+              </a:r>
+              <a:r>
+                <a:rPr lang="ko-KR" altLang="en-US" sz="1100" dirty="0"/>
+                <a:t>하영씨는 결국 매장에 직접 들어가 주문하기로 하였다</a:t>
+              </a:r>
+              <a:r>
+                <a:rPr lang="en-US" altLang="ko-KR" sz="1100" dirty="0"/>
+                <a:t>. </a:t>
+              </a:r>
+              <a:endParaRPr lang="ko-KR" altLang="en-US" sz="1100" dirty="0"/>
+            </a:p>
+            <a:p>
+              <a:pPr algn="just"/>
+              <a:r>
+                <a:rPr lang="en-US" altLang="ko-KR" sz="1100" b="1" dirty="0" smtClean="0">
+                  <a:solidFill>
+                    <a:srgbClr val="165704"/>
+                  </a:solidFill>
+                </a:rPr>
+                <a:t>   </a:t>
+              </a:r>
+              <a:endParaRPr lang="en-US" altLang="ko-KR" sz="1100" dirty="0" smtClean="0">
+                <a:solidFill>
+                  <a:srgbClr val="434343"/>
+                </a:solidFill>
+              </a:endParaRPr>
+            </a:p>
+          </p:txBody>
+        </p:sp>
+      </p:grpSp>
+      <p:sp>
+        <p:nvSpPr>
+          <p:cNvPr id="14" name="TextBox 13"/>
           <p:cNvSpPr txBox="1"/>
           <p:nvPr/>
         </p:nvSpPr>
         <p:spPr>
           <a:xfrm>
-            <a:off x="179512" y="3002176"/>
-            <a:ext cx="4144869" cy="1938992"/>
+            <a:off x="4716016" y="5229200"/>
+            <a:ext cx="4144869" cy="697050"/>
           </a:xfrm>
           <a:prstGeom prst="rect">
             <a:avLst/>
@@ -9789,146 +11292,46 @@
           </a:bodyPr>
           <a:lstStyle/>
           <a:p>
-            <a:pPr algn="just">
+            <a:pPr algn="ctr">
               <a:lnSpc>
                 <a:spcPct val="150000"/>
               </a:lnSpc>
             </a:pPr>
             <a:r>
-              <a:rPr lang="ko-KR" altLang="en-US" sz="900" dirty="0" smtClean="0"/>
-              <a:t>   오후 </a:t>
-            </a:r>
-            <a:r>
-              <a:rPr lang="en-US" altLang="ko-KR" sz="900" dirty="0"/>
-              <a:t>5</a:t>
-            </a:r>
-            <a:r>
-              <a:rPr lang="ko-KR" altLang="en-US" sz="900" dirty="0"/>
-              <a:t>시에 학원을 끝내고 아르바이트를 하러 가기 전</a:t>
-            </a:r>
-            <a:r>
-              <a:rPr lang="en-US" altLang="ko-KR" sz="900" dirty="0"/>
-              <a:t>, </a:t>
-            </a:r>
-            <a:r>
-              <a:rPr lang="ko-KR" altLang="en-US" sz="900" dirty="0"/>
-              <a:t>하영씨는 간단하게 한 끼를 먹으러 가기로 했다</a:t>
-            </a:r>
-            <a:r>
-              <a:rPr lang="en-US" altLang="ko-KR" sz="900" dirty="0"/>
-              <a:t>. </a:t>
-            </a:r>
-            <a:r>
-              <a:rPr lang="ko-KR" altLang="en-US" sz="900" dirty="0"/>
-              <a:t>최근에 너무 패스트푸드를 많이 먹었던 탓인지 건강이 </a:t>
-            </a:r>
-            <a:r>
-              <a:rPr lang="ko-KR" altLang="en-US" sz="900" dirty="0" err="1"/>
-              <a:t>안좋아진걸</a:t>
-            </a:r>
-            <a:r>
-              <a:rPr lang="ko-KR" altLang="en-US" sz="900" dirty="0"/>
-              <a:t> 느낀 하영씨는 간단하면서 맛있고 건강한 </a:t>
-            </a:r>
-            <a:r>
-              <a:rPr lang="ko-KR" altLang="en-US" sz="900" dirty="0" err="1"/>
-              <a:t>서브웨이</a:t>
-            </a:r>
-            <a:r>
-              <a:rPr lang="ko-KR" altLang="en-US" sz="900" dirty="0"/>
-              <a:t> 샌드위치를 먹기로 했다</a:t>
-            </a:r>
-            <a:r>
-              <a:rPr lang="en-US" altLang="ko-KR" sz="900" dirty="0"/>
-              <a:t>. </a:t>
-            </a:r>
-            <a:r>
-              <a:rPr lang="ko-KR" altLang="en-US" sz="900" dirty="0"/>
-              <a:t>그런데 </a:t>
-            </a:r>
-            <a:r>
-              <a:rPr lang="ko-KR" altLang="en-US" sz="900" dirty="0" err="1"/>
-              <a:t>서브웨이는</a:t>
-            </a:r>
-            <a:r>
-              <a:rPr lang="ko-KR" altLang="en-US" sz="900" dirty="0"/>
-              <a:t> 메뉴가 너무 복잡하다는 생각이 들어서 하영씨는 </a:t>
-            </a:r>
-            <a:r>
-              <a:rPr lang="ko-KR" altLang="en-US" sz="900" dirty="0" err="1"/>
-              <a:t>서브웨이</a:t>
-            </a:r>
-            <a:r>
-              <a:rPr lang="ko-KR" altLang="en-US" sz="900" dirty="0"/>
-              <a:t> 홈페이지에 들어가 미리 메뉴를 보기로 했다</a:t>
-            </a:r>
-            <a:r>
-              <a:rPr lang="en-US" altLang="ko-KR" sz="900" dirty="0"/>
-              <a:t>. </a:t>
-            </a:r>
-            <a:r>
-              <a:rPr lang="ko-KR" altLang="en-US" sz="900" dirty="0"/>
-              <a:t>그런데 </a:t>
-            </a:r>
-            <a:r>
-              <a:rPr lang="ko-KR" altLang="en-US" sz="900" dirty="0" err="1"/>
-              <a:t>가독성이</a:t>
-            </a:r>
-            <a:r>
-              <a:rPr lang="ko-KR" altLang="en-US" sz="900" dirty="0"/>
-              <a:t> 떨어지는 메인 홈페이지 탓에 하영씨는 메뉴가 </a:t>
-            </a:r>
-            <a:r>
-              <a:rPr lang="ko-KR" altLang="en-US" sz="900" dirty="0" err="1"/>
-              <a:t>어디있는지</a:t>
-            </a:r>
-            <a:r>
-              <a:rPr lang="ko-KR" altLang="en-US" sz="900" dirty="0"/>
-              <a:t> 찾기 어려웠고</a:t>
-            </a:r>
-            <a:r>
-              <a:rPr lang="en-US" altLang="ko-KR" sz="900" dirty="0"/>
-              <a:t>, </a:t>
-            </a:r>
-            <a:r>
-              <a:rPr lang="ko-KR" altLang="en-US" sz="900" dirty="0"/>
-              <a:t>어떤 할인행사를 하고 있는지 단박에 알 수 없었다</a:t>
-            </a:r>
-            <a:r>
-              <a:rPr lang="en-US" altLang="ko-KR" sz="900" dirty="0"/>
-              <a:t>. </a:t>
-            </a:r>
-            <a:r>
-              <a:rPr lang="ko-KR" altLang="en-US" sz="900" dirty="0"/>
-              <a:t>결국</a:t>
-            </a:r>
-            <a:r>
-              <a:rPr lang="en-US" altLang="ko-KR" sz="900" dirty="0"/>
-              <a:t>, </a:t>
-            </a:r>
-            <a:r>
-              <a:rPr lang="ko-KR" altLang="en-US" sz="900" dirty="0"/>
-              <a:t>하영씨는 결국 매장에 직접 들어가 주문하기로 하였다</a:t>
-            </a:r>
-            <a:r>
-              <a:rPr lang="en-US" altLang="ko-KR" sz="900" dirty="0"/>
-              <a:t>. </a:t>
-            </a:r>
-            <a:endParaRPr lang="ko-KR" altLang="en-US" sz="900" dirty="0"/>
-          </a:p>
-          <a:p>
-            <a:pPr algn="just">
+              <a:rPr lang="ko-KR" altLang="en-US" sz="1400" b="1" dirty="0" smtClean="0">
+                <a:solidFill>
+                  <a:srgbClr val="165704"/>
+                </a:solidFill>
+              </a:rPr>
+              <a:t>문제점  </a:t>
+            </a:r>
+            <a:r>
+              <a:rPr lang="ko-KR" altLang="en-US" sz="1000" b="1" dirty="0" smtClean="0"/>
+              <a:t>정확히 찾기 어려운 복잡한 레이아웃</a:t>
+            </a:r>
+            <a:endParaRPr lang="ko-KR" altLang="en-US" sz="1000" b="1" dirty="0"/>
+          </a:p>
+          <a:p>
+            <a:pPr algn="ctr">
               <a:lnSpc>
                 <a:spcPct val="150000"/>
               </a:lnSpc>
             </a:pPr>
             <a:r>
+              <a:rPr lang="en-US" altLang="ko-KR" sz="1400" b="1" dirty="0" smtClean="0">
+                <a:solidFill>
+                  <a:srgbClr val="165704"/>
+                </a:solidFill>
+              </a:rPr>
+              <a:t> </a:t>
+            </a:r>
+            <a:r>
               <a:rPr lang="en-US" altLang="ko-KR" sz="800" b="1" dirty="0" smtClean="0">
                 <a:solidFill>
                   <a:srgbClr val="165704"/>
                 </a:solidFill>
               </a:rPr>
-              <a:t>   </a:t>
+              <a:t>  </a:t>
             </a:r>
             <a:endParaRPr lang="en-US" altLang="ko-KR" sz="1100" dirty="0" smtClean="0">
               <a:solidFill>
@@ -9940,14 +11343,14 @@
       </p:sp>
       <p:sp>
         <p:nvSpPr>
-          <p:cNvPr id="14" name="TextBox 13"/>
+          <p:cNvPr id="16" name="TextBox 15"/>
           <p:cNvSpPr txBox="1"/>
           <p:nvPr/>
         </p:nvSpPr>
         <p:spPr>
           <a:xfrm>
-            <a:off x="139099" y="4787280"/>
-            <a:ext cx="4144869" cy="738664"/>
+            <a:off x="4923223" y="1322184"/>
+            <a:ext cx="1304961" cy="738664"/>
           </a:xfrm>
           <a:prstGeom prst="rect">
             <a:avLst/>
@@ -9971,13 +11374,9 @@
                   <a:srgbClr val="165704"/>
                 </a:solidFill>
               </a:rPr>
-              <a:t>문제점  </a:t>
-            </a:r>
-            <a:r>
-              <a:rPr lang="ko-KR" altLang="en-US" sz="1000" dirty="0" smtClean="0"/>
-              <a:t>정확히 찾기 어려운 복잡한 레이아웃</a:t>
-            </a:r>
-            <a:endParaRPr lang="ko-KR" altLang="en-US" sz="1000" dirty="0"/>
+              <a:t>시나리오</a:t>
+            </a:r>
+            <a:endParaRPr lang="ko-KR" altLang="en-US" sz="1000" b="1" dirty="0"/>
           </a:p>
           <a:p>
             <a:pPr>
@@ -10009,24 +11408,180 @@
           </a:p>
         </p:txBody>
       </p:sp>
+      <p:sp>
+        <p:nvSpPr>
+          <p:cNvPr id="23" name="오른쪽 화살표 22"/>
+          <p:cNvSpPr/>
+          <p:nvPr/>
+        </p:nvSpPr>
+        <p:spPr>
+          <a:xfrm>
+            <a:off x="5148064" y="5301208"/>
+            <a:ext cx="216024" cy="288032"/>
+          </a:xfrm>
+          <a:prstGeom prst="rightArrow">
+            <a:avLst/>
+          </a:prstGeom>
+          <a:solidFill>
+            <a:srgbClr val="EBFC10"/>
+          </a:solidFill>
+          <a:ln>
+            <a:noFill/>
+          </a:ln>
+        </p:spPr>
+        <p:style>
+          <a:lnRef idx="2">
+            <a:schemeClr val="accent1">
+              <a:shade val="50000"/>
+            </a:schemeClr>
+          </a:lnRef>
+          <a:fillRef idx="1">
+            <a:schemeClr val="accent1"/>
+          </a:fillRef>
+          <a:effectRef idx="0">
+            <a:schemeClr val="accent1"/>
+          </a:effectRef>
+          <a:fontRef idx="minor">
+            <a:schemeClr val="lt1"/>
+          </a:fontRef>
+        </p:style>
+        <p:txBody>
+          <a:bodyPr rtlCol="0" anchor="ctr"/>
+          <a:lstStyle/>
+          <a:p>
+            <a:pPr algn="ctr"/>
+            <a:endParaRPr lang="ko-KR" altLang="en-US"/>
+          </a:p>
+        </p:txBody>
+      </p:sp>
+      <p:pic>
+        <p:nvPicPr>
+          <p:cNvPr id="1026" name="Picture 2" descr="C:\Users\전혜빈\Desktop\KakaoTalk_20170703_161529449.jpg"/>
+          <p:cNvPicPr>
+            <a:picLocks noChangeAspect="1" noChangeArrowheads="1"/>
+          </p:cNvPicPr>
+          <p:nvPr/>
+        </p:nvPicPr>
+        <p:blipFill>
+          <a:blip r:embed="rId3" cstate="print"/>
+          <a:srcRect/>
+          <a:stretch>
+            <a:fillRect/>
+          </a:stretch>
+        </p:blipFill>
+        <p:spPr bwMode="auto">
+          <a:xfrm>
+            <a:off x="873414" y="908720"/>
+            <a:ext cx="2762482" cy="2808312"/>
+          </a:xfrm>
+          <a:prstGeom prst="rect">
+            <a:avLst/>
+          </a:prstGeom>
+          <a:noFill/>
+        </p:spPr>
+      </p:pic>
+    </p:spTree>
+    <p:extLst>
+      <p:ext uri="{BB962C8B-B14F-4D97-AF65-F5344CB8AC3E}">
+        <p14:creationId xmlns:p14="http://schemas.microsoft.com/office/powerpoint/2010/main" xmlns="" val="4111508987"/>
+      </p:ext>
+    </p:extLst>
+  </p:cSld>
+  <p:clrMapOvr>
+    <a:masterClrMapping/>
+  </p:clrMapOvr>
+  <p:timing>
+    <p:tnLst>
+      <p:par>
+        <p:cTn id="1" dur="indefinite" restart="never" nodeType="tmRoot"/>
+      </p:par>
+    </p:tnLst>
+  </p:timing>
+</p:sld>
+</file>
+
+<file path=ppt/slides/slide7.xml><?xml version="1.0" encoding="utf-8"?>
+<p:sld xmlns:a="http://schemas.openxmlformats.org/drawingml/2006/main" xmlns:r="http://schemas.openxmlformats.org/officeDocument/2006/relationships" xmlns:p="http://schemas.openxmlformats.org/presentationml/2006/main">
+  <p:cSld>
+    <p:spTree>
+      <p:nvGrpSpPr>
+        <p:cNvPr id="1" name=""/>
+        <p:cNvGrpSpPr/>
+        <p:nvPr/>
+      </p:nvGrpSpPr>
+      <p:grpSpPr>
+        <a:xfrm>
+          <a:off x="0" y="0"/>
+          <a:ext cx="0" cy="0"/>
+          <a:chOff x="0" y="0"/>
+          <a:chExt cx="0" cy="0"/>
+        </a:xfrm>
+      </p:grpSpPr>
+      <p:sp>
+        <p:nvSpPr>
+          <p:cNvPr id="21" name="직사각형 20"/>
+          <p:cNvSpPr/>
+          <p:nvPr/>
+        </p:nvSpPr>
+        <p:spPr>
+          <a:xfrm>
+            <a:off x="2987824" y="4365104"/>
+            <a:ext cx="4392488" cy="360040"/>
+          </a:xfrm>
+          <a:prstGeom prst="rect">
+            <a:avLst/>
+          </a:prstGeom>
+          <a:solidFill>
+            <a:srgbClr val="EBFC10"/>
+          </a:solidFill>
+          <a:ln>
+            <a:noFill/>
+          </a:ln>
+        </p:spPr>
+        <p:style>
+          <a:lnRef idx="2">
+            <a:schemeClr val="accent1">
+              <a:shade val="50000"/>
+            </a:schemeClr>
+          </a:lnRef>
+          <a:fillRef idx="1">
+            <a:schemeClr val="accent1"/>
+          </a:fillRef>
+          <a:effectRef idx="0">
+            <a:schemeClr val="accent1"/>
+          </a:effectRef>
+          <a:fontRef idx="minor">
+            <a:schemeClr val="lt1"/>
+          </a:fontRef>
+        </p:style>
+        <p:txBody>
+          <a:bodyPr rtlCol="0" anchor="ctr"/>
+          <a:lstStyle/>
+          <a:p>
+            <a:pPr algn="ctr"/>
+            <a:endParaRPr lang="ko-KR" altLang="en-US"/>
+          </a:p>
+        </p:txBody>
+      </p:sp>
       <p:cxnSp>
         <p:nvCxnSpPr>
-          <p:cNvPr id="6" name="직선 연결선 5"/>
+          <p:cNvPr id="18" name="직선 연결선 17"/>
           <p:cNvCxnSpPr/>
           <p:nvPr/>
         </p:nvCxnSpPr>
         <p:spPr>
           <a:xfrm>
-            <a:off x="899592" y="5156612"/>
-            <a:ext cx="2088232" cy="0"/>
+            <a:off x="251520" y="587048"/>
+            <a:ext cx="4032448" cy="0"/>
           </a:xfrm>
           <a:prstGeom prst="line">
             <a:avLst/>
           </a:prstGeom>
           <a:ln>
             <a:solidFill>
-              <a:srgbClr val="FF0000"/>
+              <a:srgbClr val="165704"/>
             </a:solidFill>
+            <a:prstDash val="dash"/>
           </a:ln>
         </p:spPr>
         <p:style>
@@ -10044,10 +11599,2188 @@
           </a:fontRef>
         </p:style>
       </p:cxnSp>
+      <p:cxnSp>
+        <p:nvCxnSpPr>
+          <p:cNvPr id="20" name="직선 연결선 19"/>
+          <p:cNvCxnSpPr/>
+          <p:nvPr/>
+        </p:nvCxnSpPr>
+        <p:spPr>
+          <a:xfrm>
+            <a:off x="1835696" y="2780928"/>
+            <a:ext cx="6192688" cy="0"/>
+          </a:xfrm>
+          <a:prstGeom prst="line">
+            <a:avLst/>
+          </a:prstGeom>
+          <a:ln>
+            <a:solidFill>
+              <a:srgbClr val="165704"/>
+            </a:solidFill>
+            <a:prstDash val="dash"/>
+          </a:ln>
+        </p:spPr>
+        <p:style>
+          <a:lnRef idx="1">
+            <a:schemeClr val="accent1"/>
+          </a:lnRef>
+          <a:fillRef idx="0">
+            <a:schemeClr val="accent1"/>
+          </a:fillRef>
+          <a:effectRef idx="0">
+            <a:schemeClr val="accent1"/>
+          </a:effectRef>
+          <a:fontRef idx="minor">
+            <a:schemeClr val="tx1"/>
+          </a:fontRef>
+        </p:style>
+      </p:cxnSp>
+      <p:sp>
+        <p:nvSpPr>
+          <p:cNvPr id="19" name="TextBox 18"/>
+          <p:cNvSpPr txBox="1"/>
+          <p:nvPr/>
+        </p:nvSpPr>
+        <p:spPr>
+          <a:xfrm>
+            <a:off x="179512" y="188640"/>
+            <a:ext cx="3918060" cy="400110"/>
+          </a:xfrm>
+          <a:prstGeom prst="rect">
+            <a:avLst/>
+          </a:prstGeom>
+          <a:noFill/>
+        </p:spPr>
+        <p:txBody>
+          <a:bodyPr wrap="none" rtlCol="0">
+            <a:spAutoFit/>
+          </a:bodyPr>
+          <a:lstStyle/>
+          <a:p>
+            <a:r>
+              <a:rPr lang="ko-KR" altLang="en-US" sz="2000" b="1" dirty="0" smtClean="0">
+                <a:solidFill>
+                  <a:srgbClr val="165704"/>
+                </a:solidFill>
+                <a:latin typeface="+mj-ea"/>
+                <a:ea typeface="+mj-ea"/>
+              </a:rPr>
+              <a:t>기존 홈페이지 문제점</a:t>
+            </a:r>
+            <a:r>
+              <a:rPr lang="en-US" altLang="ko-KR" sz="2000" b="1" dirty="0" smtClean="0">
+                <a:solidFill>
+                  <a:srgbClr val="165704"/>
+                </a:solidFill>
+                <a:latin typeface="+mj-ea"/>
+                <a:ea typeface="+mj-ea"/>
+              </a:rPr>
+              <a:t>&amp;</a:t>
+            </a:r>
+            <a:r>
+              <a:rPr lang="ko-KR" altLang="en-US" sz="2000" b="1" dirty="0" smtClean="0">
+                <a:solidFill>
+                  <a:srgbClr val="165704"/>
+                </a:solidFill>
+                <a:latin typeface="+mj-ea"/>
+                <a:ea typeface="+mj-ea"/>
+              </a:rPr>
+              <a:t>전략도출</a:t>
+            </a:r>
+            <a:endParaRPr lang="ko-KR" altLang="en-US" sz="2000" b="1" dirty="0">
+              <a:solidFill>
+                <a:srgbClr val="165704"/>
+              </a:solidFill>
+              <a:latin typeface="+mj-ea"/>
+              <a:ea typeface="+mj-ea"/>
+            </a:endParaRPr>
+          </a:p>
+        </p:txBody>
+      </p:sp>
+      <p:sp>
+        <p:nvSpPr>
+          <p:cNvPr id="9" name="오각형 8"/>
+          <p:cNvSpPr/>
+          <p:nvPr/>
+        </p:nvSpPr>
+        <p:spPr>
+          <a:xfrm flipH="1">
+            <a:off x="8172400" y="207596"/>
+            <a:ext cx="971600" cy="323182"/>
+          </a:xfrm>
+          <a:prstGeom prst="homePlate">
+            <a:avLst/>
+          </a:prstGeom>
+          <a:solidFill>
+            <a:srgbClr val="434343"/>
+          </a:solidFill>
+          <a:ln>
+            <a:noFill/>
+          </a:ln>
+        </p:spPr>
+        <p:style>
+          <a:lnRef idx="2">
+            <a:schemeClr val="accent1">
+              <a:shade val="50000"/>
+            </a:schemeClr>
+          </a:lnRef>
+          <a:fillRef idx="1">
+            <a:schemeClr val="accent1"/>
+          </a:fillRef>
+          <a:effectRef idx="0">
+            <a:schemeClr val="accent1"/>
+          </a:effectRef>
+          <a:fontRef idx="minor">
+            <a:schemeClr val="lt1"/>
+          </a:fontRef>
+        </p:style>
+        <p:txBody>
+          <a:bodyPr rtlCol="0" anchor="ctr"/>
+          <a:lstStyle/>
+          <a:p>
+            <a:pPr algn="ctr"/>
+            <a:r>
+              <a:rPr lang="ko-KR" altLang="en-US" sz="1000" dirty="0" smtClean="0">
+                <a:solidFill>
+                  <a:schemeClr val="bg1"/>
+                </a:solidFill>
+              </a:rPr>
+              <a:t>사이트분석</a:t>
+            </a:r>
+            <a:endParaRPr lang="ko-KR" altLang="en-US" sz="1000" dirty="0">
+              <a:solidFill>
+                <a:schemeClr val="bg1"/>
+              </a:solidFill>
+            </a:endParaRPr>
+          </a:p>
+        </p:txBody>
+      </p:sp>
+      <p:sp>
+        <p:nvSpPr>
+          <p:cNvPr id="14" name="TextBox 13"/>
+          <p:cNvSpPr txBox="1"/>
+          <p:nvPr/>
+        </p:nvSpPr>
+        <p:spPr>
+          <a:xfrm>
+            <a:off x="1835696" y="4172887"/>
+            <a:ext cx="5760640" cy="1200329"/>
+          </a:xfrm>
+          <a:prstGeom prst="rect">
+            <a:avLst/>
+          </a:prstGeom>
+          <a:noFill/>
+        </p:spPr>
+        <p:txBody>
+          <a:bodyPr wrap="square" rtlCol="0">
+            <a:spAutoFit/>
+          </a:bodyPr>
+          <a:lstStyle/>
+          <a:p>
+            <a:pPr algn="ctr">
+              <a:lnSpc>
+                <a:spcPct val="150000"/>
+              </a:lnSpc>
+            </a:pPr>
+            <a:r>
+              <a:rPr lang="ko-KR" altLang="en-US" sz="2400" b="1" dirty="0" smtClean="0">
+                <a:solidFill>
+                  <a:srgbClr val="165704"/>
+                </a:solidFill>
+              </a:rPr>
+              <a:t>결론 </a:t>
+            </a:r>
+            <a:r>
+              <a:rPr lang="en-US" altLang="ko-KR" sz="2400" b="1" dirty="0" smtClean="0">
+                <a:solidFill>
+                  <a:srgbClr val="165704"/>
+                </a:solidFill>
+              </a:rPr>
+              <a:t>:</a:t>
+            </a:r>
+            <a:r>
+              <a:rPr lang="ko-KR" altLang="en-US" sz="1600" b="1" dirty="0" smtClean="0">
+                <a:solidFill>
+                  <a:srgbClr val="165704"/>
+                </a:solidFill>
+              </a:rPr>
+              <a:t>   </a:t>
+            </a:r>
+            <a:r>
+              <a:rPr lang="ko-KR" altLang="en-US" sz="1600" dirty="0" smtClean="0"/>
+              <a:t>깔끔하고 </a:t>
+            </a:r>
+            <a:r>
+              <a:rPr lang="ko-KR" altLang="en-US" sz="1600" dirty="0" smtClean="0"/>
+              <a:t>가독성이 있는 레이아웃 배치가 필요</a:t>
+            </a:r>
+          </a:p>
+          <a:p>
+            <a:pPr algn="ctr">
+              <a:lnSpc>
+                <a:spcPct val="150000"/>
+              </a:lnSpc>
+            </a:pPr>
+            <a:endParaRPr lang="ko-KR" altLang="en-US" sz="1000" b="1" dirty="0"/>
+          </a:p>
+          <a:p>
+            <a:pPr algn="ctr">
+              <a:lnSpc>
+                <a:spcPct val="150000"/>
+              </a:lnSpc>
+            </a:pPr>
+            <a:r>
+              <a:rPr lang="en-US" altLang="ko-KR" sz="1400" b="1" dirty="0" smtClean="0">
+                <a:solidFill>
+                  <a:srgbClr val="165704"/>
+                </a:solidFill>
+              </a:rPr>
+              <a:t> </a:t>
+            </a:r>
+            <a:r>
+              <a:rPr lang="en-US" altLang="ko-KR" sz="800" b="1" dirty="0" smtClean="0">
+                <a:solidFill>
+                  <a:srgbClr val="165704"/>
+                </a:solidFill>
+              </a:rPr>
+              <a:t>  </a:t>
+            </a:r>
+            <a:endParaRPr lang="en-US" altLang="ko-KR" sz="1100" dirty="0" smtClean="0">
+              <a:solidFill>
+                <a:srgbClr val="434343"/>
+              </a:solidFill>
+            </a:endParaRPr>
+          </a:p>
+        </p:txBody>
+      </p:sp>
+      <p:sp>
+        <p:nvSpPr>
+          <p:cNvPr id="23" name="오른쪽 화살표 22"/>
+          <p:cNvSpPr/>
+          <p:nvPr/>
+        </p:nvSpPr>
+        <p:spPr>
+          <a:xfrm>
+            <a:off x="1835696" y="4365104"/>
+            <a:ext cx="216024" cy="288032"/>
+          </a:xfrm>
+          <a:prstGeom prst="rightArrow">
+            <a:avLst/>
+          </a:prstGeom>
+          <a:solidFill>
+            <a:srgbClr val="EBFC10"/>
+          </a:solidFill>
+          <a:ln>
+            <a:noFill/>
+          </a:ln>
+        </p:spPr>
+        <p:style>
+          <a:lnRef idx="2">
+            <a:schemeClr val="accent1">
+              <a:shade val="50000"/>
+            </a:schemeClr>
+          </a:lnRef>
+          <a:fillRef idx="1">
+            <a:schemeClr val="accent1"/>
+          </a:fillRef>
+          <a:effectRef idx="0">
+            <a:schemeClr val="accent1"/>
+          </a:effectRef>
+          <a:fontRef idx="minor">
+            <a:schemeClr val="lt1"/>
+          </a:fontRef>
+        </p:style>
+        <p:txBody>
+          <a:bodyPr rtlCol="0" anchor="ctr"/>
+          <a:lstStyle/>
+          <a:p>
+            <a:pPr algn="ctr"/>
+            <a:endParaRPr lang="ko-KR" altLang="en-US"/>
+          </a:p>
+        </p:txBody>
+      </p:sp>
+      <p:sp>
+        <p:nvSpPr>
+          <p:cNvPr id="24" name="타원 23"/>
+          <p:cNvSpPr/>
+          <p:nvPr/>
+        </p:nvSpPr>
+        <p:spPr>
+          <a:xfrm>
+            <a:off x="755576" y="2060848"/>
+            <a:ext cx="1440160" cy="1440160"/>
+          </a:xfrm>
+          <a:prstGeom prst="ellipse">
+            <a:avLst/>
+          </a:prstGeom>
+          <a:solidFill>
+            <a:schemeClr val="accent3">
+              <a:lumMod val="20000"/>
+              <a:lumOff val="80000"/>
+            </a:schemeClr>
+          </a:solidFill>
+          <a:ln>
+            <a:noFill/>
+          </a:ln>
+        </p:spPr>
+        <p:style>
+          <a:lnRef idx="2">
+            <a:schemeClr val="accent1">
+              <a:shade val="50000"/>
+            </a:schemeClr>
+          </a:lnRef>
+          <a:fillRef idx="1">
+            <a:schemeClr val="accent1"/>
+          </a:fillRef>
+          <a:effectRef idx="0">
+            <a:schemeClr val="accent1"/>
+          </a:effectRef>
+          <a:fontRef idx="minor">
+            <a:schemeClr val="lt1"/>
+          </a:fontRef>
+        </p:style>
+        <p:txBody>
+          <a:bodyPr rtlCol="0" anchor="ctr"/>
+          <a:lstStyle/>
+          <a:p>
+            <a:pPr algn="ctr"/>
+            <a:endParaRPr lang="en-US" altLang="ko-KR" sz="1200" dirty="0" smtClean="0">
+              <a:solidFill>
+                <a:schemeClr val="tx1">
+                  <a:lumMod val="75000"/>
+                  <a:lumOff val="25000"/>
+                </a:schemeClr>
+              </a:solidFill>
+            </a:endParaRPr>
+          </a:p>
+          <a:p>
+            <a:pPr algn="ctr"/>
+            <a:r>
+              <a:rPr lang="ko-KR" altLang="en-US" sz="1200" dirty="0" smtClean="0">
+                <a:solidFill>
+                  <a:schemeClr val="tx1">
+                    <a:lumMod val="75000"/>
+                    <a:lumOff val="25000"/>
+                  </a:schemeClr>
+                </a:solidFill>
+              </a:rPr>
+              <a:t>가독성이 </a:t>
+            </a:r>
+            <a:endParaRPr lang="en-US" altLang="ko-KR" sz="1200" dirty="0" smtClean="0">
+              <a:solidFill>
+                <a:schemeClr val="tx1">
+                  <a:lumMod val="75000"/>
+                  <a:lumOff val="25000"/>
+                </a:schemeClr>
+              </a:solidFill>
+            </a:endParaRPr>
+          </a:p>
+          <a:p>
+            <a:pPr algn="ctr"/>
+            <a:r>
+              <a:rPr lang="ko-KR" altLang="en-US" sz="1200" dirty="0" smtClean="0">
+                <a:solidFill>
+                  <a:schemeClr val="tx1">
+                    <a:lumMod val="75000"/>
+                    <a:lumOff val="25000"/>
+                  </a:schemeClr>
+                </a:solidFill>
+              </a:rPr>
+              <a:t>떨어지는</a:t>
+            </a:r>
+            <a:endParaRPr lang="en-US" altLang="ko-KR" sz="1200" dirty="0" smtClean="0">
+              <a:solidFill>
+                <a:schemeClr val="tx1">
+                  <a:lumMod val="75000"/>
+                  <a:lumOff val="25000"/>
+                </a:schemeClr>
+              </a:solidFill>
+            </a:endParaRPr>
+          </a:p>
+          <a:p>
+            <a:pPr algn="ctr"/>
+            <a:r>
+              <a:rPr lang="ko-KR" altLang="en-US" sz="1200" dirty="0" smtClean="0">
+                <a:solidFill>
+                  <a:schemeClr val="tx1">
+                    <a:lumMod val="75000"/>
+                    <a:lumOff val="25000"/>
+                  </a:schemeClr>
+                </a:solidFill>
+              </a:rPr>
+              <a:t>너무가까운 </a:t>
+            </a:r>
+            <a:r>
+              <a:rPr lang="ko-KR" altLang="en-US" sz="1200" b="1" dirty="0" smtClean="0">
+                <a:solidFill>
+                  <a:schemeClr val="tx1">
+                    <a:lumMod val="75000"/>
+                    <a:lumOff val="25000"/>
+                  </a:schemeClr>
+                </a:solidFill>
+              </a:rPr>
+              <a:t>레이아웃</a:t>
+            </a:r>
+            <a:endParaRPr lang="en-US" altLang="ko-KR" sz="1200" b="1" dirty="0" smtClean="0">
+              <a:solidFill>
+                <a:schemeClr val="tx1">
+                  <a:lumMod val="75000"/>
+                  <a:lumOff val="25000"/>
+                </a:schemeClr>
+              </a:solidFill>
+            </a:endParaRPr>
+          </a:p>
+          <a:p>
+            <a:pPr algn="ctr"/>
+            <a:r>
+              <a:rPr lang="ko-KR" altLang="en-US" sz="1200" dirty="0" smtClean="0">
+                <a:solidFill>
+                  <a:schemeClr val="tx1">
+                    <a:lumMod val="75000"/>
+                    <a:lumOff val="25000"/>
+                  </a:schemeClr>
+                </a:solidFill>
+              </a:rPr>
+              <a:t> </a:t>
+            </a:r>
+            <a:r>
+              <a:rPr lang="ko-KR" altLang="en-US" sz="1200" dirty="0" smtClean="0">
+                <a:solidFill>
+                  <a:schemeClr val="tx1">
+                    <a:lumMod val="75000"/>
+                    <a:lumOff val="25000"/>
+                  </a:schemeClr>
+                </a:solidFill>
+              </a:rPr>
+              <a:t>배치</a:t>
+            </a:r>
+          </a:p>
+          <a:p>
+            <a:pPr algn="just"/>
+            <a:endParaRPr lang="ko-KR" altLang="en-US" sz="900" dirty="0"/>
+          </a:p>
+        </p:txBody>
+      </p:sp>
+      <p:sp>
+        <p:nvSpPr>
+          <p:cNvPr id="25" name="타원 24"/>
+          <p:cNvSpPr/>
+          <p:nvPr/>
+        </p:nvSpPr>
+        <p:spPr>
+          <a:xfrm>
+            <a:off x="2843808" y="2060848"/>
+            <a:ext cx="1440160" cy="1440160"/>
+          </a:xfrm>
+          <a:prstGeom prst="ellipse">
+            <a:avLst/>
+          </a:prstGeom>
+          <a:solidFill>
+            <a:schemeClr val="accent3">
+              <a:lumMod val="40000"/>
+              <a:lumOff val="60000"/>
+            </a:schemeClr>
+          </a:solidFill>
+          <a:ln>
+            <a:noFill/>
+          </a:ln>
+        </p:spPr>
+        <p:style>
+          <a:lnRef idx="2">
+            <a:schemeClr val="accent1">
+              <a:shade val="50000"/>
+            </a:schemeClr>
+          </a:lnRef>
+          <a:fillRef idx="1">
+            <a:schemeClr val="accent1"/>
+          </a:fillRef>
+          <a:effectRef idx="0">
+            <a:schemeClr val="accent1"/>
+          </a:effectRef>
+          <a:fontRef idx="minor">
+            <a:schemeClr val="lt1"/>
+          </a:fontRef>
+        </p:style>
+        <p:txBody>
+          <a:bodyPr rtlCol="0" anchor="ctr"/>
+          <a:lstStyle/>
+          <a:p>
+            <a:pPr algn="ctr"/>
+            <a:endParaRPr lang="en-US" altLang="ko-KR" sz="1200" dirty="0" smtClean="0">
+              <a:solidFill>
+                <a:schemeClr val="tx1">
+                  <a:lumMod val="75000"/>
+                  <a:lumOff val="25000"/>
+                </a:schemeClr>
+              </a:solidFill>
+            </a:endParaRPr>
+          </a:p>
+          <a:p>
+            <a:pPr algn="ctr"/>
+            <a:r>
+              <a:rPr lang="ko-KR" altLang="en-US" sz="1200" dirty="0" smtClean="0">
+                <a:solidFill>
+                  <a:schemeClr val="tx1">
+                    <a:lumMod val="75000"/>
+                    <a:lumOff val="25000"/>
+                  </a:schemeClr>
+                </a:solidFill>
+              </a:rPr>
+              <a:t>깔끔하지</a:t>
+            </a:r>
+            <a:endParaRPr lang="en-US" altLang="ko-KR" sz="1200" dirty="0" smtClean="0">
+              <a:solidFill>
+                <a:schemeClr val="tx1">
+                  <a:lumMod val="75000"/>
+                  <a:lumOff val="25000"/>
+                </a:schemeClr>
+              </a:solidFill>
+            </a:endParaRPr>
+          </a:p>
+          <a:p>
+            <a:pPr algn="ctr"/>
+            <a:r>
+              <a:rPr lang="ko-KR" altLang="en-US" sz="1200" dirty="0" smtClean="0">
+                <a:solidFill>
+                  <a:schemeClr val="tx1">
+                    <a:lumMod val="75000"/>
+                    <a:lumOff val="25000"/>
+                  </a:schemeClr>
+                </a:solidFill>
+              </a:rPr>
+              <a:t> 못한</a:t>
+            </a:r>
+            <a:endParaRPr lang="en-US" altLang="ko-KR" sz="1200" dirty="0" smtClean="0">
+              <a:solidFill>
+                <a:schemeClr val="tx1">
+                  <a:lumMod val="75000"/>
+                  <a:lumOff val="25000"/>
+                </a:schemeClr>
+              </a:solidFill>
+            </a:endParaRPr>
+          </a:p>
+          <a:p>
+            <a:pPr algn="ctr"/>
+            <a:r>
+              <a:rPr lang="ko-KR" altLang="en-US" sz="1200" dirty="0" smtClean="0">
+                <a:solidFill>
+                  <a:schemeClr val="tx1">
+                    <a:lumMod val="75000"/>
+                    <a:lumOff val="25000"/>
+                  </a:schemeClr>
+                </a:solidFill>
+              </a:rPr>
+              <a:t> </a:t>
+            </a:r>
+            <a:r>
+              <a:rPr lang="en-US" altLang="ko-KR" sz="1200" b="1" dirty="0" smtClean="0">
+                <a:solidFill>
+                  <a:schemeClr val="tx1">
+                    <a:lumMod val="75000"/>
+                    <a:lumOff val="25000"/>
+                  </a:schemeClr>
+                </a:solidFill>
+              </a:rPr>
+              <a:t>AD</a:t>
+            </a:r>
+            <a:r>
+              <a:rPr lang="ko-KR" altLang="en-US" sz="1200" b="1" dirty="0" smtClean="0">
+                <a:solidFill>
+                  <a:schemeClr val="tx1">
+                    <a:lumMod val="75000"/>
+                    <a:lumOff val="25000"/>
+                  </a:schemeClr>
+                </a:solidFill>
+              </a:rPr>
+              <a:t>배너</a:t>
+            </a:r>
+          </a:p>
+          <a:p>
+            <a:pPr algn="ctr"/>
+            <a:endParaRPr lang="ko-KR" altLang="en-US" sz="1200" dirty="0">
+              <a:solidFill>
+                <a:schemeClr val="tx1">
+                  <a:lumMod val="75000"/>
+                  <a:lumOff val="25000"/>
+                </a:schemeClr>
+              </a:solidFill>
+            </a:endParaRPr>
+          </a:p>
+        </p:txBody>
+      </p:sp>
+      <p:sp>
+        <p:nvSpPr>
+          <p:cNvPr id="26" name="타원 25"/>
+          <p:cNvSpPr/>
+          <p:nvPr/>
+        </p:nvSpPr>
+        <p:spPr>
+          <a:xfrm>
+            <a:off x="4788024" y="2060848"/>
+            <a:ext cx="1440160" cy="1440160"/>
+          </a:xfrm>
+          <a:prstGeom prst="ellipse">
+            <a:avLst/>
+          </a:prstGeom>
+          <a:solidFill>
+            <a:schemeClr val="accent3">
+              <a:lumMod val="60000"/>
+              <a:lumOff val="40000"/>
+            </a:schemeClr>
+          </a:solidFill>
+          <a:ln>
+            <a:noFill/>
+          </a:ln>
+        </p:spPr>
+        <p:style>
+          <a:lnRef idx="2">
+            <a:schemeClr val="accent1">
+              <a:shade val="50000"/>
+            </a:schemeClr>
+          </a:lnRef>
+          <a:fillRef idx="1">
+            <a:schemeClr val="accent1"/>
+          </a:fillRef>
+          <a:effectRef idx="0">
+            <a:schemeClr val="accent1"/>
+          </a:effectRef>
+          <a:fontRef idx="minor">
+            <a:schemeClr val="lt1"/>
+          </a:fontRef>
+        </p:style>
+        <p:txBody>
+          <a:bodyPr rtlCol="0" anchor="ctr"/>
+          <a:lstStyle/>
+          <a:p>
+            <a:pPr algn="ctr"/>
+            <a:endParaRPr lang="en-US" altLang="ko-KR" sz="1200" dirty="0" smtClean="0">
+              <a:solidFill>
+                <a:schemeClr val="tx1">
+                  <a:lumMod val="75000"/>
+                  <a:lumOff val="25000"/>
+                </a:schemeClr>
+              </a:solidFill>
+            </a:endParaRPr>
+          </a:p>
+          <a:p>
+            <a:pPr algn="ctr"/>
+            <a:endParaRPr lang="en-US" altLang="ko-KR" sz="1200" dirty="0" smtClean="0">
+              <a:solidFill>
+                <a:schemeClr val="tx1">
+                  <a:lumMod val="75000"/>
+                  <a:lumOff val="25000"/>
+                </a:schemeClr>
+              </a:solidFill>
+            </a:endParaRPr>
+          </a:p>
+          <a:p>
+            <a:pPr algn="ctr"/>
+            <a:r>
+              <a:rPr lang="ko-KR" altLang="en-US" sz="1200" dirty="0" smtClean="0">
+                <a:solidFill>
+                  <a:schemeClr val="tx1">
+                    <a:lumMod val="75000"/>
+                    <a:lumOff val="25000"/>
+                  </a:schemeClr>
+                </a:solidFill>
+              </a:rPr>
+              <a:t>공지사항등 </a:t>
+            </a:r>
+            <a:r>
+              <a:rPr lang="ko-KR" altLang="en-US" sz="1200" b="1" dirty="0" smtClean="0">
+                <a:solidFill>
+                  <a:schemeClr val="tx1">
+                    <a:lumMod val="75000"/>
+                    <a:lumOff val="25000"/>
+                  </a:schemeClr>
+                </a:solidFill>
+              </a:rPr>
+              <a:t>정보를 찾기 어려움</a:t>
+            </a:r>
+          </a:p>
+          <a:p>
+            <a:pPr algn="ctr"/>
+            <a:endParaRPr lang="ko-KR" altLang="en-US" dirty="0"/>
+          </a:p>
+        </p:txBody>
+      </p:sp>
+      <p:sp>
+        <p:nvSpPr>
+          <p:cNvPr id="27" name="타원 26"/>
+          <p:cNvSpPr/>
+          <p:nvPr/>
+        </p:nvSpPr>
+        <p:spPr>
+          <a:xfrm>
+            <a:off x="6732240" y="2060848"/>
+            <a:ext cx="1440160" cy="1440160"/>
+          </a:xfrm>
+          <a:prstGeom prst="ellipse">
+            <a:avLst/>
+          </a:prstGeom>
+          <a:solidFill>
+            <a:schemeClr val="accent3">
+              <a:lumMod val="75000"/>
+            </a:schemeClr>
+          </a:solidFill>
+          <a:ln>
+            <a:noFill/>
+          </a:ln>
+        </p:spPr>
+        <p:style>
+          <a:lnRef idx="2">
+            <a:schemeClr val="accent1">
+              <a:shade val="50000"/>
+            </a:schemeClr>
+          </a:lnRef>
+          <a:fillRef idx="1">
+            <a:schemeClr val="accent1"/>
+          </a:fillRef>
+          <a:effectRef idx="0">
+            <a:schemeClr val="accent1"/>
+          </a:effectRef>
+          <a:fontRef idx="minor">
+            <a:schemeClr val="lt1"/>
+          </a:fontRef>
+        </p:style>
+        <p:txBody>
+          <a:bodyPr rtlCol="0" anchor="ctr"/>
+          <a:lstStyle/>
+          <a:p>
+            <a:pPr algn="ctr"/>
+            <a:endParaRPr lang="en-US" altLang="ko-KR" sz="1200" dirty="0" smtClean="0">
+              <a:solidFill>
+                <a:schemeClr val="tx1">
+                  <a:lumMod val="75000"/>
+                  <a:lumOff val="25000"/>
+                </a:schemeClr>
+              </a:solidFill>
+            </a:endParaRPr>
+          </a:p>
+          <a:p>
+            <a:pPr algn="ctr"/>
+            <a:r>
+              <a:rPr lang="ko-KR" altLang="en-US" sz="1200" b="1" dirty="0" smtClean="0">
+                <a:solidFill>
+                  <a:schemeClr val="bg1"/>
+                </a:solidFill>
+              </a:rPr>
+              <a:t>트렌디</a:t>
+            </a:r>
+            <a:r>
+              <a:rPr lang="ko-KR" altLang="en-US" sz="1200" dirty="0" smtClean="0">
+                <a:solidFill>
+                  <a:schemeClr val="bg1"/>
+                </a:solidFill>
+              </a:rPr>
+              <a:t>한</a:t>
+            </a:r>
+            <a:endParaRPr lang="en-US" altLang="ko-KR" sz="1200" dirty="0" smtClean="0">
+              <a:solidFill>
+                <a:schemeClr val="bg1"/>
+              </a:solidFill>
+            </a:endParaRPr>
+          </a:p>
+          <a:p>
+            <a:pPr algn="ctr"/>
+            <a:r>
+              <a:rPr lang="ko-KR" altLang="en-US" sz="1200" dirty="0" smtClean="0">
+                <a:solidFill>
+                  <a:schemeClr val="bg1"/>
+                </a:solidFill>
+              </a:rPr>
+              <a:t> </a:t>
+            </a:r>
+            <a:r>
+              <a:rPr lang="ko-KR" altLang="en-US" sz="1200" dirty="0" smtClean="0">
+                <a:solidFill>
+                  <a:schemeClr val="bg1"/>
+                </a:solidFill>
+              </a:rPr>
+              <a:t>브랜드 </a:t>
+            </a:r>
+            <a:endParaRPr lang="en-US" altLang="ko-KR" sz="1200" dirty="0" smtClean="0">
+              <a:solidFill>
+                <a:schemeClr val="bg1"/>
+              </a:solidFill>
+            </a:endParaRPr>
+          </a:p>
+          <a:p>
+            <a:pPr algn="ctr"/>
+            <a:r>
+              <a:rPr lang="ko-KR" altLang="en-US" sz="1200" dirty="0" smtClean="0">
+                <a:solidFill>
+                  <a:schemeClr val="bg1"/>
+                </a:solidFill>
+              </a:rPr>
+              <a:t>이미지와 </a:t>
+            </a:r>
+            <a:endParaRPr lang="en-US" altLang="ko-KR" sz="1200" dirty="0" smtClean="0">
+              <a:solidFill>
+                <a:schemeClr val="bg1"/>
+              </a:solidFill>
+            </a:endParaRPr>
+          </a:p>
+          <a:p>
+            <a:pPr algn="ctr"/>
+            <a:r>
+              <a:rPr lang="ko-KR" altLang="en-US" sz="1200" dirty="0" smtClean="0">
+                <a:solidFill>
+                  <a:schemeClr val="bg1"/>
+                </a:solidFill>
+              </a:rPr>
+              <a:t>떨어지는 </a:t>
+            </a:r>
+            <a:endParaRPr lang="en-US" altLang="ko-KR" sz="1200" dirty="0" smtClean="0">
+              <a:solidFill>
+                <a:schemeClr val="bg1"/>
+              </a:solidFill>
+            </a:endParaRPr>
+          </a:p>
+          <a:p>
+            <a:pPr algn="ctr"/>
+            <a:r>
+              <a:rPr lang="ko-KR" altLang="en-US" sz="1200" dirty="0" smtClean="0">
+                <a:solidFill>
+                  <a:schemeClr val="bg1"/>
+                </a:solidFill>
+              </a:rPr>
+              <a:t>디자인</a:t>
+            </a:r>
+            <a:endParaRPr lang="ko-KR" altLang="en-US" sz="1200" dirty="0" smtClean="0">
+              <a:solidFill>
+                <a:schemeClr val="bg1"/>
+              </a:solidFill>
+            </a:endParaRPr>
+          </a:p>
+          <a:p>
+            <a:pPr algn="ctr"/>
+            <a:endParaRPr lang="ko-KR" altLang="en-US" dirty="0"/>
+          </a:p>
+        </p:txBody>
+      </p:sp>
     </p:spTree>
     <p:extLst>
       <p:ext uri="{BB962C8B-B14F-4D97-AF65-F5344CB8AC3E}">
-        <p14:creationId xmlns:p14="http://schemas.microsoft.com/office/powerpoint/2010/main" val="4111508987"/>
+        <p14:creationId xmlns:p14="http://schemas.microsoft.com/office/powerpoint/2010/main" xmlns="" val="4111508987"/>
+      </p:ext>
+    </p:extLst>
+  </p:cSld>
+  <p:clrMapOvr>
+    <a:masterClrMapping/>
+  </p:clrMapOvr>
+  <p:timing>
+    <p:tnLst>
+      <p:par>
+        <p:cTn id="1" dur="indefinite" restart="never" nodeType="tmRoot"/>
+      </p:par>
+    </p:tnLst>
+  </p:timing>
+</p:sld>
+</file>
+
+<file path=ppt/slides/slide8.xml><?xml version="1.0" encoding="utf-8"?>
+<p:sld xmlns:a="http://schemas.openxmlformats.org/drawingml/2006/main" xmlns:r="http://schemas.openxmlformats.org/officeDocument/2006/relationships" xmlns:p="http://schemas.openxmlformats.org/presentationml/2006/main">
+  <p:cSld>
+    <p:spTree>
+      <p:nvGrpSpPr>
+        <p:cNvPr id="1" name=""/>
+        <p:cNvGrpSpPr/>
+        <p:nvPr/>
+      </p:nvGrpSpPr>
+      <p:grpSpPr>
+        <a:xfrm>
+          <a:off x="0" y="0"/>
+          <a:ext cx="0" cy="0"/>
+          <a:chOff x="0" y="0"/>
+          <a:chExt cx="0" cy="0"/>
+        </a:xfrm>
+      </p:grpSpPr>
+      <p:sp>
+        <p:nvSpPr>
+          <p:cNvPr id="52" name="직사각형 51"/>
+          <p:cNvSpPr/>
+          <p:nvPr/>
+        </p:nvSpPr>
+        <p:spPr>
+          <a:xfrm>
+            <a:off x="2411761" y="5517232"/>
+            <a:ext cx="5760640" cy="576064"/>
+          </a:xfrm>
+          <a:prstGeom prst="rect">
+            <a:avLst/>
+          </a:prstGeom>
+          <a:solidFill>
+            <a:srgbClr val="EBFC10"/>
+          </a:solidFill>
+          <a:ln>
+            <a:noFill/>
+          </a:ln>
+        </p:spPr>
+        <p:style>
+          <a:lnRef idx="2">
+            <a:schemeClr val="accent1">
+              <a:shade val="50000"/>
+            </a:schemeClr>
+          </a:lnRef>
+          <a:fillRef idx="1">
+            <a:schemeClr val="accent1"/>
+          </a:fillRef>
+          <a:effectRef idx="0">
+            <a:schemeClr val="accent1"/>
+          </a:effectRef>
+          <a:fontRef idx="minor">
+            <a:schemeClr val="lt1"/>
+          </a:fontRef>
+        </p:style>
+        <p:txBody>
+          <a:bodyPr rtlCol="0" anchor="ctr"/>
+          <a:lstStyle/>
+          <a:p>
+            <a:pPr algn="ctr"/>
+            <a:endParaRPr lang="ko-KR" altLang="en-US"/>
+          </a:p>
+        </p:txBody>
+      </p:sp>
+      <p:cxnSp>
+        <p:nvCxnSpPr>
+          <p:cNvPr id="18" name="직선 연결선 17"/>
+          <p:cNvCxnSpPr/>
+          <p:nvPr/>
+        </p:nvCxnSpPr>
+        <p:spPr>
+          <a:xfrm>
+            <a:off x="251520" y="587048"/>
+            <a:ext cx="4032448" cy="0"/>
+          </a:xfrm>
+          <a:prstGeom prst="line">
+            <a:avLst/>
+          </a:prstGeom>
+          <a:ln>
+            <a:solidFill>
+              <a:srgbClr val="165704"/>
+            </a:solidFill>
+            <a:prstDash val="dash"/>
+          </a:ln>
+        </p:spPr>
+        <p:style>
+          <a:lnRef idx="1">
+            <a:schemeClr val="accent1"/>
+          </a:lnRef>
+          <a:fillRef idx="0">
+            <a:schemeClr val="accent1"/>
+          </a:fillRef>
+          <a:effectRef idx="0">
+            <a:schemeClr val="accent1"/>
+          </a:effectRef>
+          <a:fontRef idx="minor">
+            <a:schemeClr val="tx1"/>
+          </a:fontRef>
+        </p:style>
+      </p:cxnSp>
+      <p:cxnSp>
+        <p:nvCxnSpPr>
+          <p:cNvPr id="20" name="직선 연결선 19"/>
+          <p:cNvCxnSpPr/>
+          <p:nvPr/>
+        </p:nvCxnSpPr>
+        <p:spPr>
+          <a:xfrm>
+            <a:off x="2051720" y="1484784"/>
+            <a:ext cx="5184576" cy="0"/>
+          </a:xfrm>
+          <a:prstGeom prst="line">
+            <a:avLst/>
+          </a:prstGeom>
+          <a:ln>
+            <a:solidFill>
+              <a:srgbClr val="165704"/>
+            </a:solidFill>
+            <a:prstDash val="dash"/>
+          </a:ln>
+        </p:spPr>
+        <p:style>
+          <a:lnRef idx="1">
+            <a:schemeClr val="accent1"/>
+          </a:lnRef>
+          <a:fillRef idx="0">
+            <a:schemeClr val="accent1"/>
+          </a:fillRef>
+          <a:effectRef idx="0">
+            <a:schemeClr val="accent1"/>
+          </a:effectRef>
+          <a:fontRef idx="minor">
+            <a:schemeClr val="tx1"/>
+          </a:fontRef>
+        </p:style>
+      </p:cxnSp>
+      <p:sp>
+        <p:nvSpPr>
+          <p:cNvPr id="19" name="TextBox 18"/>
+          <p:cNvSpPr txBox="1"/>
+          <p:nvPr/>
+        </p:nvSpPr>
+        <p:spPr>
+          <a:xfrm>
+            <a:off x="179512" y="188640"/>
+            <a:ext cx="3918060" cy="400110"/>
+          </a:xfrm>
+          <a:prstGeom prst="rect">
+            <a:avLst/>
+          </a:prstGeom>
+          <a:noFill/>
+        </p:spPr>
+        <p:txBody>
+          <a:bodyPr wrap="none" rtlCol="0">
+            <a:spAutoFit/>
+          </a:bodyPr>
+          <a:lstStyle/>
+          <a:p>
+            <a:r>
+              <a:rPr lang="ko-KR" altLang="en-US" sz="2000" b="1" dirty="0" smtClean="0">
+                <a:solidFill>
+                  <a:srgbClr val="165704"/>
+                </a:solidFill>
+                <a:latin typeface="+mj-ea"/>
+                <a:ea typeface="+mj-ea"/>
+              </a:rPr>
+              <a:t>기존 홈페이지 문제점</a:t>
+            </a:r>
+            <a:r>
+              <a:rPr lang="en-US" altLang="ko-KR" sz="2000" b="1" dirty="0" smtClean="0">
+                <a:solidFill>
+                  <a:srgbClr val="165704"/>
+                </a:solidFill>
+                <a:latin typeface="+mj-ea"/>
+                <a:ea typeface="+mj-ea"/>
+              </a:rPr>
+              <a:t>&amp;</a:t>
+            </a:r>
+            <a:r>
+              <a:rPr lang="ko-KR" altLang="en-US" sz="2000" b="1" dirty="0" smtClean="0">
+                <a:solidFill>
+                  <a:srgbClr val="165704"/>
+                </a:solidFill>
+                <a:latin typeface="+mj-ea"/>
+                <a:ea typeface="+mj-ea"/>
+              </a:rPr>
+              <a:t>전략도출</a:t>
+            </a:r>
+            <a:endParaRPr lang="ko-KR" altLang="en-US" sz="2000" b="1" dirty="0">
+              <a:solidFill>
+                <a:srgbClr val="165704"/>
+              </a:solidFill>
+              <a:latin typeface="+mj-ea"/>
+              <a:ea typeface="+mj-ea"/>
+            </a:endParaRPr>
+          </a:p>
+        </p:txBody>
+      </p:sp>
+      <p:sp>
+        <p:nvSpPr>
+          <p:cNvPr id="9" name="오각형 8"/>
+          <p:cNvSpPr/>
+          <p:nvPr/>
+        </p:nvSpPr>
+        <p:spPr>
+          <a:xfrm flipH="1">
+            <a:off x="8172400" y="207596"/>
+            <a:ext cx="971600" cy="323182"/>
+          </a:xfrm>
+          <a:prstGeom prst="homePlate">
+            <a:avLst/>
+          </a:prstGeom>
+          <a:solidFill>
+            <a:srgbClr val="434343"/>
+          </a:solidFill>
+          <a:ln>
+            <a:noFill/>
+          </a:ln>
+        </p:spPr>
+        <p:style>
+          <a:lnRef idx="2">
+            <a:schemeClr val="accent1">
+              <a:shade val="50000"/>
+            </a:schemeClr>
+          </a:lnRef>
+          <a:fillRef idx="1">
+            <a:schemeClr val="accent1"/>
+          </a:fillRef>
+          <a:effectRef idx="0">
+            <a:schemeClr val="accent1"/>
+          </a:effectRef>
+          <a:fontRef idx="minor">
+            <a:schemeClr val="lt1"/>
+          </a:fontRef>
+        </p:style>
+        <p:txBody>
+          <a:bodyPr rtlCol="0" anchor="ctr"/>
+          <a:lstStyle/>
+          <a:p>
+            <a:pPr algn="ctr"/>
+            <a:r>
+              <a:rPr lang="ko-KR" altLang="en-US" sz="1000" dirty="0" smtClean="0">
+                <a:solidFill>
+                  <a:schemeClr val="bg1"/>
+                </a:solidFill>
+              </a:rPr>
+              <a:t>사이트분석</a:t>
+            </a:r>
+            <a:endParaRPr lang="ko-KR" altLang="en-US" sz="1000" dirty="0">
+              <a:solidFill>
+                <a:schemeClr val="bg1"/>
+              </a:solidFill>
+            </a:endParaRPr>
+          </a:p>
+        </p:txBody>
+      </p:sp>
+      <p:sp>
+        <p:nvSpPr>
+          <p:cNvPr id="27" name="타원 26"/>
+          <p:cNvSpPr/>
+          <p:nvPr/>
+        </p:nvSpPr>
+        <p:spPr>
+          <a:xfrm>
+            <a:off x="3851920" y="908720"/>
+            <a:ext cx="1080120" cy="1080120"/>
+          </a:xfrm>
+          <a:prstGeom prst="ellipse">
+            <a:avLst/>
+          </a:prstGeom>
+          <a:solidFill>
+            <a:srgbClr val="165704"/>
+          </a:solidFill>
+          <a:ln>
+            <a:noFill/>
+          </a:ln>
+        </p:spPr>
+        <p:style>
+          <a:lnRef idx="2">
+            <a:schemeClr val="accent1">
+              <a:shade val="50000"/>
+            </a:schemeClr>
+          </a:lnRef>
+          <a:fillRef idx="1">
+            <a:schemeClr val="accent1"/>
+          </a:fillRef>
+          <a:effectRef idx="0">
+            <a:schemeClr val="accent1"/>
+          </a:effectRef>
+          <a:fontRef idx="minor">
+            <a:schemeClr val="lt1"/>
+          </a:fontRef>
+        </p:style>
+        <p:txBody>
+          <a:bodyPr rtlCol="0" anchor="ctr"/>
+          <a:lstStyle/>
+          <a:p>
+            <a:pPr algn="ctr"/>
+            <a:r>
+              <a:rPr lang="ko-KR" altLang="en-US" sz="1400" b="1" dirty="0" smtClean="0"/>
+              <a:t>사이트컨   셉</a:t>
+            </a:r>
+            <a:endParaRPr lang="ko-KR" altLang="en-US" sz="1400" b="1" dirty="0"/>
+          </a:p>
+        </p:txBody>
+      </p:sp>
+      <p:sp>
+        <p:nvSpPr>
+          <p:cNvPr id="15" name="직사각형 14"/>
+          <p:cNvSpPr/>
+          <p:nvPr/>
+        </p:nvSpPr>
+        <p:spPr>
+          <a:xfrm>
+            <a:off x="3851920" y="2276872"/>
+            <a:ext cx="1152128" cy="432048"/>
+          </a:xfrm>
+          <a:prstGeom prst="rect">
+            <a:avLst/>
+          </a:prstGeom>
+          <a:solidFill>
+            <a:schemeClr val="bg2">
+              <a:lumMod val="75000"/>
+            </a:schemeClr>
+          </a:solidFill>
+          <a:ln>
+            <a:noFill/>
+          </a:ln>
+        </p:spPr>
+        <p:style>
+          <a:lnRef idx="2">
+            <a:schemeClr val="accent1">
+              <a:shade val="50000"/>
+            </a:schemeClr>
+          </a:lnRef>
+          <a:fillRef idx="1">
+            <a:schemeClr val="accent1"/>
+          </a:fillRef>
+          <a:effectRef idx="0">
+            <a:schemeClr val="accent1"/>
+          </a:effectRef>
+          <a:fontRef idx="minor">
+            <a:schemeClr val="lt1"/>
+          </a:fontRef>
+        </p:style>
+        <p:txBody>
+          <a:bodyPr rtlCol="0" anchor="ctr"/>
+          <a:lstStyle/>
+          <a:p>
+            <a:pPr algn="ctr"/>
+            <a:r>
+              <a:rPr lang="ko-KR" altLang="en-US" b="1" dirty="0" smtClean="0"/>
+              <a:t>신선함</a:t>
+            </a:r>
+            <a:endParaRPr lang="ko-KR" altLang="en-US" b="1" dirty="0"/>
+          </a:p>
+        </p:txBody>
+      </p:sp>
+      <p:sp>
+        <p:nvSpPr>
+          <p:cNvPr id="16" name="직사각형 15"/>
+          <p:cNvSpPr/>
+          <p:nvPr/>
+        </p:nvSpPr>
+        <p:spPr>
+          <a:xfrm>
+            <a:off x="6590581" y="2276872"/>
+            <a:ext cx="1152128" cy="432048"/>
+          </a:xfrm>
+          <a:prstGeom prst="rect">
+            <a:avLst/>
+          </a:prstGeom>
+          <a:solidFill>
+            <a:schemeClr val="bg2">
+              <a:lumMod val="75000"/>
+            </a:schemeClr>
+          </a:solidFill>
+          <a:ln>
+            <a:noFill/>
+          </a:ln>
+        </p:spPr>
+        <p:style>
+          <a:lnRef idx="2">
+            <a:schemeClr val="accent1">
+              <a:shade val="50000"/>
+            </a:schemeClr>
+          </a:lnRef>
+          <a:fillRef idx="1">
+            <a:schemeClr val="accent1"/>
+          </a:fillRef>
+          <a:effectRef idx="0">
+            <a:schemeClr val="accent1"/>
+          </a:effectRef>
+          <a:fontRef idx="minor">
+            <a:schemeClr val="lt1"/>
+          </a:fontRef>
+        </p:style>
+        <p:txBody>
+          <a:bodyPr rtlCol="0" anchor="ctr"/>
+          <a:lstStyle/>
+          <a:p>
+            <a:pPr algn="ctr"/>
+            <a:r>
+              <a:rPr lang="ko-KR" altLang="en-US" b="1" dirty="0" smtClean="0"/>
+              <a:t>깔끔함</a:t>
+            </a:r>
+            <a:endParaRPr lang="ko-KR" altLang="en-US" b="1" dirty="0"/>
+          </a:p>
+        </p:txBody>
+      </p:sp>
+      <p:cxnSp>
+        <p:nvCxnSpPr>
+          <p:cNvPr id="17" name="직선 연결선 16"/>
+          <p:cNvCxnSpPr/>
+          <p:nvPr/>
+        </p:nvCxnSpPr>
+        <p:spPr>
+          <a:xfrm>
+            <a:off x="1475656" y="3861048"/>
+            <a:ext cx="6192688" cy="0"/>
+          </a:xfrm>
+          <a:prstGeom prst="line">
+            <a:avLst/>
+          </a:prstGeom>
+          <a:ln>
+            <a:solidFill>
+              <a:srgbClr val="165704"/>
+            </a:solidFill>
+            <a:prstDash val="dash"/>
+          </a:ln>
+        </p:spPr>
+        <p:style>
+          <a:lnRef idx="1">
+            <a:schemeClr val="accent1"/>
+          </a:lnRef>
+          <a:fillRef idx="0">
+            <a:schemeClr val="accent1"/>
+          </a:fillRef>
+          <a:effectRef idx="0">
+            <a:schemeClr val="accent1"/>
+          </a:effectRef>
+          <a:fontRef idx="minor">
+            <a:schemeClr val="tx1"/>
+          </a:fontRef>
+        </p:style>
+      </p:cxnSp>
+      <p:sp>
+        <p:nvSpPr>
+          <p:cNvPr id="28" name="직사각형 27"/>
+          <p:cNvSpPr/>
+          <p:nvPr/>
+        </p:nvSpPr>
+        <p:spPr>
+          <a:xfrm>
+            <a:off x="395536" y="4653136"/>
+            <a:ext cx="2376264" cy="360040"/>
+          </a:xfrm>
+          <a:prstGeom prst="rect">
+            <a:avLst/>
+          </a:prstGeom>
+          <a:solidFill>
+            <a:schemeClr val="bg2">
+              <a:lumMod val="75000"/>
+            </a:schemeClr>
+          </a:solidFill>
+          <a:ln>
+            <a:noFill/>
+          </a:ln>
+        </p:spPr>
+        <p:style>
+          <a:lnRef idx="2">
+            <a:schemeClr val="accent1">
+              <a:shade val="50000"/>
+            </a:schemeClr>
+          </a:lnRef>
+          <a:fillRef idx="1">
+            <a:schemeClr val="accent1"/>
+          </a:fillRef>
+          <a:effectRef idx="0">
+            <a:schemeClr val="accent1"/>
+          </a:effectRef>
+          <a:fontRef idx="minor">
+            <a:schemeClr val="lt1"/>
+          </a:fontRef>
+        </p:style>
+        <p:txBody>
+          <a:bodyPr rtlCol="0" anchor="ctr"/>
+          <a:lstStyle/>
+          <a:p>
+            <a:pPr algn="ctr"/>
+            <a:r>
+              <a:rPr lang="ko-KR" altLang="en-US" sz="1150" b="1" dirty="0" smtClean="0"/>
+              <a:t>가독성 있는 레이아웃 배치</a:t>
+            </a:r>
+            <a:endParaRPr lang="ko-KR" altLang="en-US" sz="1150" b="1" dirty="0"/>
+          </a:p>
+        </p:txBody>
+      </p:sp>
+      <p:sp>
+        <p:nvSpPr>
+          <p:cNvPr id="29" name="직사각형 28"/>
+          <p:cNvSpPr/>
+          <p:nvPr/>
+        </p:nvSpPr>
+        <p:spPr>
+          <a:xfrm>
+            <a:off x="2987824" y="4653136"/>
+            <a:ext cx="3240360" cy="360040"/>
+          </a:xfrm>
+          <a:prstGeom prst="rect">
+            <a:avLst/>
+          </a:prstGeom>
+          <a:solidFill>
+            <a:schemeClr val="bg2">
+              <a:lumMod val="75000"/>
+            </a:schemeClr>
+          </a:solidFill>
+          <a:ln>
+            <a:noFill/>
+          </a:ln>
+        </p:spPr>
+        <p:style>
+          <a:lnRef idx="2">
+            <a:schemeClr val="accent1">
+              <a:shade val="50000"/>
+            </a:schemeClr>
+          </a:lnRef>
+          <a:fillRef idx="1">
+            <a:schemeClr val="accent1"/>
+          </a:fillRef>
+          <a:effectRef idx="0">
+            <a:schemeClr val="accent1"/>
+          </a:effectRef>
+          <a:fontRef idx="minor">
+            <a:schemeClr val="lt1"/>
+          </a:fontRef>
+        </p:style>
+        <p:txBody>
+          <a:bodyPr rtlCol="0" anchor="ctr"/>
+          <a:lstStyle/>
+          <a:p>
+            <a:r>
+              <a:rPr lang="ko-KR" altLang="en-US" sz="1150" b="1" dirty="0" smtClean="0"/>
+              <a:t>브랜드 이미지와 맞는 신선하고 건강한 이미지</a:t>
+            </a:r>
+            <a:endParaRPr lang="ko-KR" altLang="en-US" sz="1150" b="1" dirty="0"/>
+          </a:p>
+        </p:txBody>
+      </p:sp>
+      <p:sp>
+        <p:nvSpPr>
+          <p:cNvPr id="30" name="직사각형 29"/>
+          <p:cNvSpPr/>
+          <p:nvPr/>
+        </p:nvSpPr>
+        <p:spPr>
+          <a:xfrm>
+            <a:off x="6372200" y="4653136"/>
+            <a:ext cx="2520280" cy="360039"/>
+          </a:xfrm>
+          <a:prstGeom prst="rect">
+            <a:avLst/>
+          </a:prstGeom>
+          <a:solidFill>
+            <a:schemeClr val="bg2">
+              <a:lumMod val="75000"/>
+            </a:schemeClr>
+          </a:solidFill>
+          <a:ln>
+            <a:noFill/>
+          </a:ln>
+        </p:spPr>
+        <p:style>
+          <a:lnRef idx="2">
+            <a:schemeClr val="accent1">
+              <a:shade val="50000"/>
+            </a:schemeClr>
+          </a:lnRef>
+          <a:fillRef idx="1">
+            <a:schemeClr val="accent1"/>
+          </a:fillRef>
+          <a:effectRef idx="0">
+            <a:schemeClr val="accent1"/>
+          </a:effectRef>
+          <a:fontRef idx="minor">
+            <a:schemeClr val="lt1"/>
+          </a:fontRef>
+        </p:style>
+        <p:txBody>
+          <a:bodyPr rtlCol="0" anchor="ctr"/>
+          <a:lstStyle/>
+          <a:p>
+            <a:pPr algn="ctr"/>
+            <a:endParaRPr lang="en-US" altLang="ko-KR" sz="1200" b="1" dirty="0" smtClean="0"/>
+          </a:p>
+          <a:p>
+            <a:pPr algn="ctr"/>
+            <a:r>
+              <a:rPr lang="ko-KR" altLang="en-US" sz="1200" b="1" dirty="0" smtClean="0"/>
+              <a:t>소비자 </a:t>
+            </a:r>
+            <a:r>
+              <a:rPr lang="ko-KR" altLang="en-US" sz="1200" b="1" dirty="0" smtClean="0"/>
+              <a:t>연령층에 맞는 </a:t>
+            </a:r>
+            <a:r>
+              <a:rPr lang="ko-KR" altLang="en-US" sz="1200" b="1" dirty="0" smtClean="0"/>
+              <a:t>트렌디함</a:t>
+            </a:r>
+            <a:endParaRPr lang="ko-KR" altLang="en-US" sz="1200" b="1" dirty="0" smtClean="0"/>
+          </a:p>
+          <a:p>
+            <a:pPr algn="ctr"/>
+            <a:endParaRPr lang="ko-KR" altLang="en-US" sz="1200" b="1" dirty="0"/>
+          </a:p>
+        </p:txBody>
+      </p:sp>
+      <p:cxnSp>
+        <p:nvCxnSpPr>
+          <p:cNvPr id="37" name="직선 연결선 36"/>
+          <p:cNvCxnSpPr>
+            <a:endCxn id="13" idx="0"/>
+          </p:cNvCxnSpPr>
+          <p:nvPr/>
+        </p:nvCxnSpPr>
+        <p:spPr>
+          <a:xfrm>
+            <a:off x="2051720" y="1484784"/>
+            <a:ext cx="0" cy="792088"/>
+          </a:xfrm>
+          <a:prstGeom prst="line">
+            <a:avLst/>
+          </a:prstGeom>
+          <a:ln>
+            <a:solidFill>
+              <a:srgbClr val="165704"/>
+            </a:solidFill>
+            <a:prstDash val="lgDash"/>
+          </a:ln>
+        </p:spPr>
+        <p:style>
+          <a:lnRef idx="1">
+            <a:schemeClr val="accent1"/>
+          </a:lnRef>
+          <a:fillRef idx="0">
+            <a:schemeClr val="accent1"/>
+          </a:fillRef>
+          <a:effectRef idx="0">
+            <a:schemeClr val="accent1"/>
+          </a:effectRef>
+          <a:fontRef idx="minor">
+            <a:schemeClr val="tx1"/>
+          </a:fontRef>
+        </p:style>
+      </p:cxnSp>
+      <p:sp>
+        <p:nvSpPr>
+          <p:cNvPr id="13" name="직사각형 12"/>
+          <p:cNvSpPr/>
+          <p:nvPr/>
+        </p:nvSpPr>
+        <p:spPr>
+          <a:xfrm>
+            <a:off x="1475656" y="2276872"/>
+            <a:ext cx="1152128" cy="432048"/>
+          </a:xfrm>
+          <a:prstGeom prst="rect">
+            <a:avLst/>
+          </a:prstGeom>
+          <a:solidFill>
+            <a:schemeClr val="bg2">
+              <a:lumMod val="75000"/>
+            </a:schemeClr>
+          </a:solidFill>
+          <a:ln>
+            <a:noFill/>
+          </a:ln>
+        </p:spPr>
+        <p:style>
+          <a:lnRef idx="2">
+            <a:schemeClr val="accent1">
+              <a:shade val="50000"/>
+            </a:schemeClr>
+          </a:lnRef>
+          <a:fillRef idx="1">
+            <a:schemeClr val="accent1"/>
+          </a:fillRef>
+          <a:effectRef idx="0">
+            <a:schemeClr val="accent1"/>
+          </a:effectRef>
+          <a:fontRef idx="minor">
+            <a:schemeClr val="lt1"/>
+          </a:fontRef>
+        </p:style>
+        <p:txBody>
+          <a:bodyPr rtlCol="0" anchor="ctr"/>
+          <a:lstStyle/>
+          <a:p>
+            <a:pPr algn="ctr"/>
+            <a:r>
+              <a:rPr lang="ko-KR" altLang="en-US" b="1" dirty="0" smtClean="0"/>
+              <a:t>트렌디</a:t>
+            </a:r>
+            <a:endParaRPr lang="ko-KR" altLang="en-US" b="1" dirty="0"/>
+          </a:p>
+        </p:txBody>
+      </p:sp>
+      <p:cxnSp>
+        <p:nvCxnSpPr>
+          <p:cNvPr id="41" name="직선 연결선 40"/>
+          <p:cNvCxnSpPr/>
+          <p:nvPr/>
+        </p:nvCxnSpPr>
+        <p:spPr>
+          <a:xfrm>
+            <a:off x="7236296" y="1484784"/>
+            <a:ext cx="0" cy="792088"/>
+          </a:xfrm>
+          <a:prstGeom prst="line">
+            <a:avLst/>
+          </a:prstGeom>
+          <a:ln>
+            <a:solidFill>
+              <a:srgbClr val="165704"/>
+            </a:solidFill>
+            <a:prstDash val="lgDash"/>
+          </a:ln>
+        </p:spPr>
+        <p:style>
+          <a:lnRef idx="1">
+            <a:schemeClr val="accent1"/>
+          </a:lnRef>
+          <a:fillRef idx="0">
+            <a:schemeClr val="accent1"/>
+          </a:fillRef>
+          <a:effectRef idx="0">
+            <a:schemeClr val="accent1"/>
+          </a:effectRef>
+          <a:fontRef idx="minor">
+            <a:schemeClr val="tx1"/>
+          </a:fontRef>
+        </p:style>
+      </p:cxnSp>
+      <p:cxnSp>
+        <p:nvCxnSpPr>
+          <p:cNvPr id="43" name="직선 연결선 42"/>
+          <p:cNvCxnSpPr/>
+          <p:nvPr/>
+        </p:nvCxnSpPr>
+        <p:spPr>
+          <a:xfrm>
+            <a:off x="1475656" y="3861048"/>
+            <a:ext cx="0" cy="792088"/>
+          </a:xfrm>
+          <a:prstGeom prst="line">
+            <a:avLst/>
+          </a:prstGeom>
+          <a:ln>
+            <a:solidFill>
+              <a:srgbClr val="165704"/>
+            </a:solidFill>
+            <a:prstDash val="lgDash"/>
+          </a:ln>
+        </p:spPr>
+        <p:style>
+          <a:lnRef idx="1">
+            <a:schemeClr val="accent1"/>
+          </a:lnRef>
+          <a:fillRef idx="0">
+            <a:schemeClr val="accent1"/>
+          </a:fillRef>
+          <a:effectRef idx="0">
+            <a:schemeClr val="accent1"/>
+          </a:effectRef>
+          <a:fontRef idx="minor">
+            <a:schemeClr val="tx1"/>
+          </a:fontRef>
+        </p:style>
+      </p:cxnSp>
+      <p:cxnSp>
+        <p:nvCxnSpPr>
+          <p:cNvPr id="45" name="직선 연결선 44"/>
+          <p:cNvCxnSpPr/>
+          <p:nvPr/>
+        </p:nvCxnSpPr>
+        <p:spPr>
+          <a:xfrm>
+            <a:off x="7668344" y="3861048"/>
+            <a:ext cx="0" cy="792088"/>
+          </a:xfrm>
+          <a:prstGeom prst="line">
+            <a:avLst/>
+          </a:prstGeom>
+          <a:ln>
+            <a:solidFill>
+              <a:srgbClr val="165704"/>
+            </a:solidFill>
+            <a:prstDash val="lgDash"/>
+          </a:ln>
+        </p:spPr>
+        <p:style>
+          <a:lnRef idx="1">
+            <a:schemeClr val="accent1"/>
+          </a:lnRef>
+          <a:fillRef idx="0">
+            <a:schemeClr val="accent1"/>
+          </a:fillRef>
+          <a:effectRef idx="0">
+            <a:schemeClr val="accent1"/>
+          </a:effectRef>
+          <a:fontRef idx="minor">
+            <a:schemeClr val="tx1"/>
+          </a:fontRef>
+        </p:style>
+      </p:cxnSp>
+      <p:sp>
+        <p:nvSpPr>
+          <p:cNvPr id="46" name="타원 45"/>
+          <p:cNvSpPr/>
+          <p:nvPr/>
+        </p:nvSpPr>
+        <p:spPr>
+          <a:xfrm>
+            <a:off x="3851920" y="3212976"/>
+            <a:ext cx="1080120" cy="1080120"/>
+          </a:xfrm>
+          <a:prstGeom prst="ellipse">
+            <a:avLst/>
+          </a:prstGeom>
+          <a:solidFill>
+            <a:srgbClr val="165704"/>
+          </a:solidFill>
+          <a:ln>
+            <a:noFill/>
+          </a:ln>
+        </p:spPr>
+        <p:style>
+          <a:lnRef idx="2">
+            <a:schemeClr val="accent1">
+              <a:shade val="50000"/>
+            </a:schemeClr>
+          </a:lnRef>
+          <a:fillRef idx="1">
+            <a:schemeClr val="accent1"/>
+          </a:fillRef>
+          <a:effectRef idx="0">
+            <a:schemeClr val="accent1"/>
+          </a:effectRef>
+          <a:fontRef idx="minor">
+            <a:schemeClr val="lt1"/>
+          </a:fontRef>
+        </p:style>
+        <p:txBody>
+          <a:bodyPr rtlCol="0" anchor="ctr"/>
+          <a:lstStyle/>
+          <a:p>
+            <a:pPr algn="ctr"/>
+            <a:r>
+              <a:rPr lang="ko-KR" altLang="en-US" sz="1400" b="1" dirty="0" smtClean="0"/>
+              <a:t>디자인</a:t>
+            </a:r>
+            <a:endParaRPr lang="en-US" altLang="ko-KR" sz="1400" b="1" dirty="0" smtClean="0"/>
+          </a:p>
+          <a:p>
+            <a:pPr algn="ctr"/>
+            <a:r>
+              <a:rPr lang="ko-KR" altLang="en-US" sz="1400" b="1" dirty="0" smtClean="0"/>
+              <a:t>전   략</a:t>
+            </a:r>
+            <a:endParaRPr lang="ko-KR" altLang="en-US" sz="1400" b="1" dirty="0"/>
+          </a:p>
+        </p:txBody>
+      </p:sp>
+      <p:sp>
+        <p:nvSpPr>
+          <p:cNvPr id="51" name="TextBox 50"/>
+          <p:cNvSpPr txBox="1"/>
+          <p:nvPr/>
+        </p:nvSpPr>
+        <p:spPr>
+          <a:xfrm>
+            <a:off x="899592" y="5572397"/>
+            <a:ext cx="7488832" cy="1384995"/>
+          </a:xfrm>
+          <a:prstGeom prst="rect">
+            <a:avLst/>
+          </a:prstGeom>
+          <a:noFill/>
+        </p:spPr>
+        <p:txBody>
+          <a:bodyPr wrap="square" rtlCol="0">
+            <a:spAutoFit/>
+          </a:bodyPr>
+          <a:lstStyle/>
+          <a:p>
+            <a:pPr algn="just"/>
+            <a:r>
+              <a:rPr lang="ko-KR" altLang="en-US" sz="2400" b="1" dirty="0" smtClean="0">
+                <a:solidFill>
+                  <a:srgbClr val="165704"/>
+                </a:solidFill>
+              </a:rPr>
+              <a:t>전략도출   </a:t>
+            </a:r>
+            <a:r>
+              <a:rPr lang="ko-KR" altLang="en-US" sz="1600" b="1" dirty="0" smtClean="0"/>
+              <a:t>신선함</a:t>
+            </a:r>
+            <a:r>
+              <a:rPr lang="en-US" altLang="ko-KR" sz="1600" b="1" dirty="0" smtClean="0"/>
+              <a:t>,</a:t>
+            </a:r>
+            <a:r>
+              <a:rPr lang="ko-KR" altLang="en-US" sz="1600" b="1" dirty="0" smtClean="0"/>
+              <a:t>트렌디한 </a:t>
+            </a:r>
+            <a:r>
+              <a:rPr lang="ko-KR" altLang="en-US" sz="1600" b="1" dirty="0" smtClean="0"/>
+              <a:t>이미지를 살려 </a:t>
+            </a:r>
+            <a:r>
+              <a:rPr lang="ko-KR" altLang="en-US" sz="1600" b="1" dirty="0" smtClean="0"/>
+              <a:t>가독성 </a:t>
+            </a:r>
+            <a:r>
+              <a:rPr lang="ko-KR" altLang="en-US" sz="1600" b="1" dirty="0" smtClean="0"/>
+              <a:t>있는 웹사이트를 </a:t>
+            </a:r>
+            <a:r>
+              <a:rPr lang="ko-KR" altLang="en-US" sz="1600" b="1" dirty="0" smtClean="0"/>
+              <a:t>구축</a:t>
+            </a:r>
+            <a:endParaRPr lang="en-US" altLang="ko-KR" sz="1600" b="1" dirty="0" smtClean="0"/>
+          </a:p>
+          <a:p>
+            <a:pPr algn="just">
+              <a:lnSpc>
+                <a:spcPct val="150000"/>
+              </a:lnSpc>
+            </a:pPr>
+            <a:endParaRPr lang="ko-KR" altLang="en-US" sz="1600" dirty="0" smtClean="0"/>
+          </a:p>
+          <a:p>
+            <a:pPr algn="just">
+              <a:lnSpc>
+                <a:spcPct val="150000"/>
+              </a:lnSpc>
+            </a:pPr>
+            <a:endParaRPr lang="ko-KR" altLang="en-US" sz="1000" b="1" dirty="0"/>
+          </a:p>
+          <a:p>
+            <a:pPr algn="just">
+              <a:lnSpc>
+                <a:spcPct val="150000"/>
+              </a:lnSpc>
+            </a:pPr>
+            <a:r>
+              <a:rPr lang="en-US" altLang="ko-KR" sz="1400" b="1" dirty="0" smtClean="0">
+                <a:solidFill>
+                  <a:srgbClr val="165704"/>
+                </a:solidFill>
+              </a:rPr>
+              <a:t> </a:t>
+            </a:r>
+            <a:r>
+              <a:rPr lang="en-US" altLang="ko-KR" sz="800" b="1" dirty="0" smtClean="0">
+                <a:solidFill>
+                  <a:srgbClr val="165704"/>
+                </a:solidFill>
+              </a:rPr>
+              <a:t>  </a:t>
+            </a:r>
+            <a:endParaRPr lang="en-US" altLang="ko-KR" sz="1100" dirty="0" smtClean="0">
+              <a:solidFill>
+                <a:srgbClr val="434343"/>
+              </a:solidFill>
+            </a:endParaRPr>
+          </a:p>
+        </p:txBody>
+      </p:sp>
+    </p:spTree>
+    <p:extLst>
+      <p:ext uri="{BB962C8B-B14F-4D97-AF65-F5344CB8AC3E}">
+        <p14:creationId xmlns:p14="http://schemas.microsoft.com/office/powerpoint/2010/main" xmlns="" val="4111508987"/>
+      </p:ext>
+    </p:extLst>
+  </p:cSld>
+  <p:clrMapOvr>
+    <a:masterClrMapping/>
+  </p:clrMapOvr>
+  <p:timing>
+    <p:tnLst>
+      <p:par>
+        <p:cTn id="1" dur="indefinite" restart="never" nodeType="tmRoot"/>
+      </p:par>
+    </p:tnLst>
+  </p:timing>
+</p:sld>
+</file>
+
+<file path=ppt/slides/slide9.xml><?xml version="1.0" encoding="utf-8"?>
+<p:sld xmlns:a="http://schemas.openxmlformats.org/drawingml/2006/main" xmlns:r="http://schemas.openxmlformats.org/officeDocument/2006/relationships" xmlns:p="http://schemas.openxmlformats.org/presentationml/2006/main">
+  <p:cSld>
+    <p:spTree>
+      <p:nvGrpSpPr>
+        <p:cNvPr id="1" name=""/>
+        <p:cNvGrpSpPr/>
+        <p:nvPr/>
+      </p:nvGrpSpPr>
+      <p:grpSpPr>
+        <a:xfrm>
+          <a:off x="0" y="0"/>
+          <a:ext cx="0" cy="0"/>
+          <a:chOff x="0" y="0"/>
+          <a:chExt cx="0" cy="0"/>
+        </a:xfrm>
+      </p:grpSpPr>
+      <p:cxnSp>
+        <p:nvCxnSpPr>
+          <p:cNvPr id="18" name="직선 연결선 17"/>
+          <p:cNvCxnSpPr/>
+          <p:nvPr/>
+        </p:nvCxnSpPr>
+        <p:spPr>
+          <a:xfrm>
+            <a:off x="251520" y="587048"/>
+            <a:ext cx="4032448" cy="0"/>
+          </a:xfrm>
+          <a:prstGeom prst="line">
+            <a:avLst/>
+          </a:prstGeom>
+          <a:ln>
+            <a:solidFill>
+              <a:srgbClr val="165704"/>
+            </a:solidFill>
+            <a:prstDash val="dash"/>
+          </a:ln>
+        </p:spPr>
+        <p:style>
+          <a:lnRef idx="1">
+            <a:schemeClr val="accent1"/>
+          </a:lnRef>
+          <a:fillRef idx="0">
+            <a:schemeClr val="accent1"/>
+          </a:fillRef>
+          <a:effectRef idx="0">
+            <a:schemeClr val="accent1"/>
+          </a:effectRef>
+          <a:fontRef idx="minor">
+            <a:schemeClr val="tx1"/>
+          </a:fontRef>
+        </p:style>
+      </p:cxnSp>
+      <p:sp>
+        <p:nvSpPr>
+          <p:cNvPr id="19" name="TextBox 18"/>
+          <p:cNvSpPr txBox="1"/>
+          <p:nvPr/>
+        </p:nvSpPr>
+        <p:spPr>
+          <a:xfrm>
+            <a:off x="179512" y="188640"/>
+            <a:ext cx="2069797" cy="400110"/>
+          </a:xfrm>
+          <a:prstGeom prst="rect">
+            <a:avLst/>
+          </a:prstGeom>
+          <a:noFill/>
+        </p:spPr>
+        <p:txBody>
+          <a:bodyPr wrap="none" rtlCol="0">
+            <a:spAutoFit/>
+          </a:bodyPr>
+          <a:lstStyle/>
+          <a:p>
+            <a:r>
+              <a:rPr lang="ko-KR" altLang="en-US" sz="2000" b="1" dirty="0" smtClean="0">
+                <a:solidFill>
+                  <a:srgbClr val="165704"/>
+                </a:solidFill>
+                <a:latin typeface="+mj-ea"/>
+                <a:ea typeface="+mj-ea"/>
+              </a:rPr>
+              <a:t>아이디어 스케치</a:t>
+            </a:r>
+            <a:endParaRPr lang="ko-KR" altLang="en-US" sz="2000" b="1" dirty="0">
+              <a:solidFill>
+                <a:srgbClr val="165704"/>
+              </a:solidFill>
+              <a:latin typeface="+mj-ea"/>
+              <a:ea typeface="+mj-ea"/>
+            </a:endParaRPr>
+          </a:p>
+        </p:txBody>
+      </p:sp>
+      <p:sp>
+        <p:nvSpPr>
+          <p:cNvPr id="9" name="오각형 8"/>
+          <p:cNvSpPr/>
+          <p:nvPr/>
+        </p:nvSpPr>
+        <p:spPr>
+          <a:xfrm flipH="1">
+            <a:off x="8172400" y="207596"/>
+            <a:ext cx="971600" cy="323182"/>
+          </a:xfrm>
+          <a:prstGeom prst="homePlate">
+            <a:avLst/>
+          </a:prstGeom>
+          <a:solidFill>
+            <a:srgbClr val="434343"/>
+          </a:solidFill>
+          <a:ln>
+            <a:noFill/>
+          </a:ln>
+        </p:spPr>
+        <p:style>
+          <a:lnRef idx="2">
+            <a:schemeClr val="accent1">
+              <a:shade val="50000"/>
+            </a:schemeClr>
+          </a:lnRef>
+          <a:fillRef idx="1">
+            <a:schemeClr val="accent1"/>
+          </a:fillRef>
+          <a:effectRef idx="0">
+            <a:schemeClr val="accent1"/>
+          </a:effectRef>
+          <a:fontRef idx="minor">
+            <a:schemeClr val="lt1"/>
+          </a:fontRef>
+        </p:style>
+        <p:txBody>
+          <a:bodyPr rtlCol="0" anchor="ctr"/>
+          <a:lstStyle/>
+          <a:p>
+            <a:pPr algn="ctr"/>
+            <a:r>
+              <a:rPr lang="ko-KR" altLang="en-US" sz="1000" dirty="0" smtClean="0">
+                <a:solidFill>
+                  <a:schemeClr val="bg1"/>
+                </a:solidFill>
+              </a:rPr>
+              <a:t>스케</a:t>
+            </a:r>
+            <a:r>
+              <a:rPr lang="ko-KR" altLang="en-US" sz="1000" dirty="0" smtClean="0">
+                <a:solidFill>
+                  <a:schemeClr val="bg1"/>
+                </a:solidFill>
+              </a:rPr>
+              <a:t>치</a:t>
+            </a:r>
+            <a:endParaRPr lang="ko-KR" altLang="en-US" sz="1000" dirty="0">
+              <a:solidFill>
+                <a:schemeClr val="bg1"/>
+              </a:solidFill>
+            </a:endParaRPr>
+          </a:p>
+        </p:txBody>
+      </p:sp>
+      <p:pic>
+        <p:nvPicPr>
+          <p:cNvPr id="3074" name="Picture 2" descr="C:\Users\전혜빈\Desktop\1.JPG"/>
+          <p:cNvPicPr>
+            <a:picLocks noChangeAspect="1" noChangeArrowheads="1"/>
+          </p:cNvPicPr>
+          <p:nvPr/>
+        </p:nvPicPr>
+        <p:blipFill>
+          <a:blip r:embed="rId3" cstate="print"/>
+          <a:srcRect/>
+          <a:stretch>
+            <a:fillRect/>
+          </a:stretch>
+        </p:blipFill>
+        <p:spPr bwMode="auto">
+          <a:xfrm>
+            <a:off x="5652120" y="1052736"/>
+            <a:ext cx="2672097" cy="5256584"/>
+          </a:xfrm>
+          <a:prstGeom prst="rect">
+            <a:avLst/>
+          </a:prstGeom>
+          <a:noFill/>
+        </p:spPr>
+      </p:pic>
+      <p:pic>
+        <p:nvPicPr>
+          <p:cNvPr id="3076" name="Picture 4" descr="C:\Users\전혜빈\Desktop\4.JPG"/>
+          <p:cNvPicPr>
+            <a:picLocks noChangeAspect="1" noChangeArrowheads="1"/>
+          </p:cNvPicPr>
+          <p:nvPr/>
+        </p:nvPicPr>
+        <p:blipFill>
+          <a:blip r:embed="rId4" cstate="print"/>
+          <a:srcRect/>
+          <a:stretch>
+            <a:fillRect/>
+          </a:stretch>
+        </p:blipFill>
+        <p:spPr bwMode="auto">
+          <a:xfrm>
+            <a:off x="467544" y="1052736"/>
+            <a:ext cx="4652981" cy="5260454"/>
+          </a:xfrm>
+          <a:prstGeom prst="rect">
+            <a:avLst/>
+          </a:prstGeom>
+          <a:noFill/>
+        </p:spPr>
+      </p:pic>
+      <p:sp>
+        <p:nvSpPr>
+          <p:cNvPr id="24" name="TextBox 23"/>
+          <p:cNvSpPr txBox="1"/>
+          <p:nvPr/>
+        </p:nvSpPr>
+        <p:spPr>
+          <a:xfrm>
+            <a:off x="395537" y="764704"/>
+            <a:ext cx="936103" cy="246221"/>
+          </a:xfrm>
+          <a:prstGeom prst="rect">
+            <a:avLst/>
+          </a:prstGeom>
+          <a:noFill/>
+        </p:spPr>
+        <p:txBody>
+          <a:bodyPr wrap="square" rtlCol="0">
+            <a:spAutoFit/>
+          </a:bodyPr>
+          <a:lstStyle/>
+          <a:p>
+            <a:pPr algn="ctr"/>
+            <a:r>
+              <a:rPr lang="ko-KR" altLang="en-US" sz="1000" b="1" dirty="0" smtClean="0">
+                <a:solidFill>
+                  <a:srgbClr val="165704"/>
+                </a:solidFill>
+                <a:latin typeface="돋움체" pitchFamily="49" charset="-127"/>
+                <a:ea typeface="돋움체" pitchFamily="49" charset="-127"/>
+              </a:rPr>
+              <a:t>러프 스케치</a:t>
+            </a:r>
+            <a:endParaRPr lang="ko-KR" altLang="en-US" sz="1000" b="1" dirty="0">
+              <a:solidFill>
+                <a:srgbClr val="165704"/>
+              </a:solidFill>
+              <a:latin typeface="돋움체" pitchFamily="49" charset="-127"/>
+              <a:ea typeface="돋움체" pitchFamily="49" charset="-127"/>
+            </a:endParaRPr>
+          </a:p>
+        </p:txBody>
+      </p:sp>
+      <p:sp>
+        <p:nvSpPr>
+          <p:cNvPr id="25" name="TextBox 24"/>
+          <p:cNvSpPr txBox="1"/>
+          <p:nvPr/>
+        </p:nvSpPr>
+        <p:spPr>
+          <a:xfrm>
+            <a:off x="5508105" y="764704"/>
+            <a:ext cx="936103" cy="246221"/>
+          </a:xfrm>
+          <a:prstGeom prst="rect">
+            <a:avLst/>
+          </a:prstGeom>
+          <a:noFill/>
+        </p:spPr>
+        <p:txBody>
+          <a:bodyPr wrap="square" rtlCol="0">
+            <a:spAutoFit/>
+          </a:bodyPr>
+          <a:lstStyle/>
+          <a:p>
+            <a:pPr algn="ctr"/>
+            <a:r>
+              <a:rPr lang="ko-KR" altLang="en-US" sz="1000" b="1" dirty="0" smtClean="0">
+                <a:solidFill>
+                  <a:srgbClr val="165704"/>
+                </a:solidFill>
+                <a:latin typeface="돋움체" pitchFamily="49" charset="-127"/>
+                <a:ea typeface="돋움체" pitchFamily="49" charset="-127"/>
+              </a:rPr>
+              <a:t>메인화면</a:t>
+            </a:r>
+            <a:endParaRPr lang="ko-KR" altLang="en-US" sz="1000" b="1" dirty="0">
+              <a:solidFill>
+                <a:srgbClr val="165704"/>
+              </a:solidFill>
+              <a:latin typeface="돋움체" pitchFamily="49" charset="-127"/>
+              <a:ea typeface="돋움체" pitchFamily="49" charset="-127"/>
+            </a:endParaRPr>
+          </a:p>
+        </p:txBody>
+      </p:sp>
+    </p:spTree>
+    <p:extLst>
+      <p:ext uri="{BB962C8B-B14F-4D97-AF65-F5344CB8AC3E}">
+        <p14:creationId xmlns:p14="http://schemas.microsoft.com/office/powerpoint/2010/main" xmlns="" val="4111508987"/>
       </p:ext>
     </p:extLst>
   </p:cSld>
